--- a/cse103/slides/arrays.pptx
+++ b/cse103/slides/arrays.pptx
@@ -11,6 +11,9 @@
     <p:sldId id="259" r:id="rId5"/>
     <p:sldId id="260" r:id="rId6"/>
     <p:sldId id="261" r:id="rId7"/>
+    <p:sldId id="263" r:id="rId8"/>
+    <p:sldId id="264" r:id="rId9"/>
+    <p:sldId id="265" r:id="rId10"/>
   </p:sldIdLst>
   <p:sldSz cx="9144000" cy="6858000" type="screen4x3"/>
   <p:notesSz cx="6858000" cy="9144000"/>
@@ -3145,25 +3148,6 @@
           </a:p>
         </p:txBody>
       </p:sp>
-      <p:sp>
-        <p:nvSpPr>
-          <p:cNvPr id="3" name="Subtitle 2"/>
-          <p:cNvSpPr>
-            <a:spLocks noGrp="1"/>
-          </p:cNvSpPr>
-          <p:nvPr>
-            <p:ph type="subTitle" idx="1"/>
-          </p:nvPr>
-        </p:nvSpPr>
-        <p:spPr/>
-        <p:txBody>
-          <a:bodyPr/>
-          <a:lstStyle/>
-          <a:p>
-            <a:endParaRPr lang="en-US"/>
-          </a:p>
-        </p:txBody>
-      </p:sp>
     </p:spTree>
     <p:extLst>
       <p:ext uri="{BB962C8B-B14F-4D97-AF65-F5344CB8AC3E}">
@@ -3338,7 +3322,13 @@
               <a:rPr lang="en-US" dirty="0" smtClean="0">
                 <a:latin typeface="Comic Sans MS" pitchFamily="66" charset="0"/>
               </a:rPr>
-              <a:t>Declaring Arrays</a:t>
+              <a:t>Declaring </a:t>
+            </a:r>
+            <a:r>
+              <a:rPr lang="en-US" dirty="0" smtClean="0">
+                <a:latin typeface="Comic Sans MS" pitchFamily="66" charset="0"/>
+              </a:rPr>
+              <a:t>Arrays (1d)</a:t>
             </a:r>
             <a:endParaRPr lang="en-US" dirty="0">
               <a:latin typeface="Comic Sans MS" pitchFamily="66" charset="0"/>
@@ -3395,6 +3385,182 @@
               <a:t>Array a has 10 elements of int data type</a:t>
             </a:r>
             <a:endParaRPr lang="en-US" dirty="0">
+              <a:latin typeface="Comic Sans MS" pitchFamily="66" charset="0"/>
+            </a:endParaRPr>
+          </a:p>
+        </p:txBody>
+      </p:sp>
+      <p:graphicFrame>
+        <p:nvGraphicFramePr>
+          <p:cNvPr id="4" name="Table 3"/>
+          <p:cNvGraphicFramePr>
+            <a:graphicFrameLocks noGrp="1"/>
+          </p:cNvGraphicFramePr>
+          <p:nvPr>
+            <p:extLst>
+              <p:ext uri="{D42A27DB-BD31-4B8C-83A1-F6EECF244321}">
+                <p14:modId xmlns:p14="http://schemas.microsoft.com/office/powerpoint/2010/main" val="2766082882"/>
+              </p:ext>
+            </p:extLst>
+          </p:nvPr>
+        </p:nvGraphicFramePr>
+        <p:xfrm>
+          <a:off x="1371600" y="3810000"/>
+          <a:ext cx="6677890" cy="606928"/>
+        </p:xfrm>
+        <a:graphic>
+          <a:graphicData uri="http://schemas.openxmlformats.org/drawingml/2006/table">
+            <a:tbl>
+              <a:tblPr firstRow="1" bandRow="1">
+                <a:tableStyleId>{5940675A-B579-460E-94D1-54222C63F5DA}</a:tableStyleId>
+              </a:tblPr>
+              <a:tblGrid>
+                <a:gridCol w="667789"/>
+                <a:gridCol w="667789"/>
+                <a:gridCol w="667789"/>
+                <a:gridCol w="667789"/>
+                <a:gridCol w="667789"/>
+                <a:gridCol w="667789"/>
+                <a:gridCol w="667789"/>
+                <a:gridCol w="667789"/>
+                <a:gridCol w="667789"/>
+                <a:gridCol w="667789"/>
+              </a:tblGrid>
+              <a:tr h="606928">
+                <a:tc>
+                  <a:txBody>
+                    <a:bodyPr/>
+                    <a:lstStyle/>
+                    <a:p>
+                      <a:endParaRPr lang="en-US" dirty="0"/>
+                    </a:p>
+                  </a:txBody>
+                  <a:tcPr/>
+                </a:tc>
+                <a:tc>
+                  <a:txBody>
+                    <a:bodyPr/>
+                    <a:lstStyle/>
+                    <a:p>
+                      <a:endParaRPr lang="en-US" dirty="0"/>
+                    </a:p>
+                  </a:txBody>
+                  <a:tcPr/>
+                </a:tc>
+                <a:tc>
+                  <a:txBody>
+                    <a:bodyPr/>
+                    <a:lstStyle/>
+                    <a:p>
+                      <a:endParaRPr lang="en-US"/>
+                    </a:p>
+                  </a:txBody>
+                  <a:tcPr/>
+                </a:tc>
+                <a:tc>
+                  <a:txBody>
+                    <a:bodyPr/>
+                    <a:lstStyle/>
+                    <a:p>
+                      <a:endParaRPr lang="en-US" dirty="0"/>
+                    </a:p>
+                  </a:txBody>
+                  <a:tcPr/>
+                </a:tc>
+                <a:tc>
+                  <a:txBody>
+                    <a:bodyPr/>
+                    <a:lstStyle/>
+                    <a:p>
+                      <a:endParaRPr lang="en-US"/>
+                    </a:p>
+                  </a:txBody>
+                  <a:tcPr/>
+                </a:tc>
+                <a:tc>
+                  <a:txBody>
+                    <a:bodyPr/>
+                    <a:lstStyle/>
+                    <a:p>
+                      <a:endParaRPr lang="en-US"/>
+                    </a:p>
+                  </a:txBody>
+                  <a:tcPr/>
+                </a:tc>
+                <a:tc>
+                  <a:txBody>
+                    <a:bodyPr/>
+                    <a:lstStyle/>
+                    <a:p>
+                      <a:endParaRPr lang="en-US"/>
+                    </a:p>
+                  </a:txBody>
+                  <a:tcPr/>
+                </a:tc>
+                <a:tc>
+                  <a:txBody>
+                    <a:bodyPr/>
+                    <a:lstStyle/>
+                    <a:p>
+                      <a:endParaRPr lang="en-US"/>
+                    </a:p>
+                  </a:txBody>
+                  <a:tcPr/>
+                </a:tc>
+                <a:tc>
+                  <a:txBody>
+                    <a:bodyPr/>
+                    <a:lstStyle/>
+                    <a:p>
+                      <a:endParaRPr lang="en-US" dirty="0"/>
+                    </a:p>
+                  </a:txBody>
+                  <a:tcPr/>
+                </a:tc>
+                <a:tc>
+                  <a:txBody>
+                    <a:bodyPr/>
+                    <a:lstStyle/>
+                    <a:p>
+                      <a:endParaRPr lang="en-US" dirty="0"/>
+                    </a:p>
+                  </a:txBody>
+                  <a:tcPr/>
+                </a:tc>
+              </a:tr>
+            </a:tbl>
+          </a:graphicData>
+        </a:graphic>
+      </p:graphicFrame>
+      <p:sp>
+        <p:nvSpPr>
+          <p:cNvPr id="5" name="TextBox 4"/>
+          <p:cNvSpPr txBox="1"/>
+          <p:nvPr/>
+        </p:nvSpPr>
+        <p:spPr>
+          <a:xfrm>
+            <a:off x="533400" y="3770597"/>
+            <a:ext cx="602673" cy="646331"/>
+          </a:xfrm>
+          <a:prstGeom prst="rect">
+            <a:avLst/>
+          </a:prstGeom>
+          <a:noFill/>
+        </p:spPr>
+        <p:txBody>
+          <a:bodyPr wrap="square" rtlCol="0">
+            <a:spAutoFit/>
+          </a:bodyPr>
+          <a:lstStyle/>
+          <a:p>
+            <a:r>
+              <a:rPr lang="en-US" sz="3600" dirty="0" smtClean="0">
+                <a:latin typeface="Comic Sans MS" pitchFamily="66" charset="0"/>
+              </a:rPr>
+              <a:t>a</a:t>
+            </a:r>
+            <a:endParaRPr lang="en-US" sz="3600" dirty="0">
               <a:latin typeface="Comic Sans MS" pitchFamily="66" charset="0"/>
             </a:endParaRPr>
           </a:p>
@@ -6241,6 +6407,3483 @@
     <p:extLst>
       <p:ext uri="{BB962C8B-B14F-4D97-AF65-F5344CB8AC3E}">
         <p14:creationId xmlns:p14="http://schemas.microsoft.com/office/powerpoint/2010/main" val="1724746758"/>
+      </p:ext>
+    </p:extLst>
+  </p:cSld>
+  <p:clrMapOvr>
+    <a:masterClrMapping/>
+  </p:clrMapOvr>
+  <p:timing>
+    <p:tnLst>
+      <p:par>
+        <p:cTn id="1" dur="indefinite" restart="never" nodeType="tmRoot"/>
+      </p:par>
+    </p:tnLst>
+  </p:timing>
+</p:sld>
+</file>
+
+<file path=ppt/slides/slide7.xml><?xml version="1.0" encoding="utf-8"?>
+<p:sld xmlns:a="http://schemas.openxmlformats.org/drawingml/2006/main" xmlns:r="http://schemas.openxmlformats.org/officeDocument/2006/relationships" xmlns:p="http://schemas.openxmlformats.org/presentationml/2006/main">
+  <p:cSld>
+    <p:spTree>
+      <p:nvGrpSpPr>
+        <p:cNvPr id="1" name=""/>
+        <p:cNvGrpSpPr/>
+        <p:nvPr/>
+      </p:nvGrpSpPr>
+      <p:grpSpPr>
+        <a:xfrm>
+          <a:off x="0" y="0"/>
+          <a:ext cx="0" cy="0"/>
+          <a:chOff x="0" y="0"/>
+          <a:chExt cx="0" cy="0"/>
+        </a:xfrm>
+      </p:grpSpPr>
+      <p:sp>
+        <p:nvSpPr>
+          <p:cNvPr id="2" name="Title 1"/>
+          <p:cNvSpPr>
+            <a:spLocks noGrp="1"/>
+          </p:cNvSpPr>
+          <p:nvPr>
+            <p:ph type="title"/>
+          </p:nvPr>
+        </p:nvSpPr>
+        <p:spPr/>
+        <p:txBody>
+          <a:bodyPr/>
+          <a:lstStyle/>
+          <a:p>
+            <a:pPr algn="l"/>
+            <a:r>
+              <a:rPr lang="en-US" dirty="0" smtClean="0">
+                <a:latin typeface="Comic Sans MS" pitchFamily="66" charset="0"/>
+              </a:rPr>
+              <a:t>Declaring </a:t>
+            </a:r>
+            <a:r>
+              <a:rPr lang="en-US" dirty="0" smtClean="0">
+                <a:latin typeface="Comic Sans MS" pitchFamily="66" charset="0"/>
+              </a:rPr>
+              <a:t>Arrays (2d)</a:t>
+            </a:r>
+            <a:endParaRPr lang="en-US" dirty="0">
+              <a:latin typeface="Comic Sans MS" pitchFamily="66" charset="0"/>
+            </a:endParaRPr>
+          </a:p>
+        </p:txBody>
+      </p:sp>
+      <p:sp>
+        <p:nvSpPr>
+          <p:cNvPr id="3" name="Content Placeholder 2"/>
+          <p:cNvSpPr>
+            <a:spLocks noGrp="1"/>
+          </p:cNvSpPr>
+          <p:nvPr>
+            <p:ph idx="1"/>
+          </p:nvPr>
+        </p:nvSpPr>
+        <p:spPr>
+          <a:xfrm>
+            <a:off x="457200" y="1600200"/>
+            <a:ext cx="8229600" cy="1295399"/>
+          </a:xfrm>
+        </p:spPr>
+        <p:txBody>
+          <a:bodyPr>
+            <a:normAutofit fontScale="92500" lnSpcReduction="20000"/>
+          </a:bodyPr>
+          <a:lstStyle/>
+          <a:p>
+            <a:pPr marL="0" indent="0">
+              <a:buNone/>
+            </a:pPr>
+            <a:r>
+              <a:rPr lang="en-US" dirty="0">
+                <a:latin typeface="Comic Sans MS" pitchFamily="66" charset="0"/>
+              </a:rPr>
+              <a:t>i</a:t>
+            </a:r>
+            <a:r>
+              <a:rPr lang="en-US" dirty="0" smtClean="0">
+                <a:latin typeface="Comic Sans MS" pitchFamily="66" charset="0"/>
+              </a:rPr>
+              <a:t>nt </a:t>
+            </a:r>
+            <a:r>
+              <a:rPr lang="en-US" dirty="0" smtClean="0">
+                <a:latin typeface="Comic Sans MS" pitchFamily="66" charset="0"/>
+              </a:rPr>
+              <a:t>a[5][</a:t>
+            </a:r>
+            <a:r>
+              <a:rPr lang="en-US" dirty="0" smtClean="0">
+                <a:latin typeface="Comic Sans MS" pitchFamily="66" charset="0"/>
+              </a:rPr>
+              <a:t>10];</a:t>
+            </a:r>
+          </a:p>
+          <a:p>
+            <a:pPr marL="0" indent="0">
+              <a:buNone/>
+            </a:pPr>
+            <a:r>
+              <a:rPr lang="en-US" dirty="0" smtClean="0">
+                <a:latin typeface="Comic Sans MS" pitchFamily="66" charset="0"/>
+              </a:rPr>
+              <a:t>Array a has </a:t>
+            </a:r>
+            <a:r>
+              <a:rPr lang="en-US" dirty="0" smtClean="0">
+                <a:latin typeface="Comic Sans MS" pitchFamily="66" charset="0"/>
+              </a:rPr>
+              <a:t>5 rows and each row has 10 elements </a:t>
+            </a:r>
+            <a:r>
+              <a:rPr lang="en-US" dirty="0" smtClean="0">
+                <a:latin typeface="Comic Sans MS" pitchFamily="66" charset="0"/>
+              </a:rPr>
+              <a:t>of int data type</a:t>
+            </a:r>
+            <a:endParaRPr lang="en-US" dirty="0">
+              <a:latin typeface="Comic Sans MS" pitchFamily="66" charset="0"/>
+            </a:endParaRPr>
+          </a:p>
+        </p:txBody>
+      </p:sp>
+      <p:graphicFrame>
+        <p:nvGraphicFramePr>
+          <p:cNvPr id="4" name="Table 3"/>
+          <p:cNvGraphicFramePr>
+            <a:graphicFrameLocks noGrp="1"/>
+          </p:cNvGraphicFramePr>
+          <p:nvPr>
+            <p:extLst>
+              <p:ext uri="{D42A27DB-BD31-4B8C-83A1-F6EECF244321}">
+                <p14:modId xmlns:p14="http://schemas.microsoft.com/office/powerpoint/2010/main" val="3831393056"/>
+              </p:ext>
+            </p:extLst>
+          </p:nvPr>
+        </p:nvGraphicFramePr>
+        <p:xfrm>
+          <a:off x="1295400" y="3276600"/>
+          <a:ext cx="6677890" cy="606928"/>
+        </p:xfrm>
+        <a:graphic>
+          <a:graphicData uri="http://schemas.openxmlformats.org/drawingml/2006/table">
+            <a:tbl>
+              <a:tblPr firstRow="1" bandRow="1">
+                <a:tableStyleId>{5940675A-B579-460E-94D1-54222C63F5DA}</a:tableStyleId>
+              </a:tblPr>
+              <a:tblGrid>
+                <a:gridCol w="667789"/>
+                <a:gridCol w="667789"/>
+                <a:gridCol w="667789"/>
+                <a:gridCol w="667789"/>
+                <a:gridCol w="667789"/>
+                <a:gridCol w="667789"/>
+                <a:gridCol w="667789"/>
+                <a:gridCol w="667789"/>
+                <a:gridCol w="667789"/>
+                <a:gridCol w="667789"/>
+              </a:tblGrid>
+              <a:tr h="606928">
+                <a:tc>
+                  <a:txBody>
+                    <a:bodyPr/>
+                    <a:lstStyle/>
+                    <a:p>
+                      <a:endParaRPr lang="en-US" dirty="0"/>
+                    </a:p>
+                  </a:txBody>
+                  <a:tcPr/>
+                </a:tc>
+                <a:tc>
+                  <a:txBody>
+                    <a:bodyPr/>
+                    <a:lstStyle/>
+                    <a:p>
+                      <a:endParaRPr lang="en-US" dirty="0"/>
+                    </a:p>
+                  </a:txBody>
+                  <a:tcPr/>
+                </a:tc>
+                <a:tc>
+                  <a:txBody>
+                    <a:bodyPr/>
+                    <a:lstStyle/>
+                    <a:p>
+                      <a:endParaRPr lang="en-US" dirty="0"/>
+                    </a:p>
+                  </a:txBody>
+                  <a:tcPr/>
+                </a:tc>
+                <a:tc>
+                  <a:txBody>
+                    <a:bodyPr/>
+                    <a:lstStyle/>
+                    <a:p>
+                      <a:endParaRPr lang="en-US" dirty="0"/>
+                    </a:p>
+                  </a:txBody>
+                  <a:tcPr/>
+                </a:tc>
+                <a:tc>
+                  <a:txBody>
+                    <a:bodyPr/>
+                    <a:lstStyle/>
+                    <a:p>
+                      <a:endParaRPr lang="en-US" dirty="0"/>
+                    </a:p>
+                  </a:txBody>
+                  <a:tcPr/>
+                </a:tc>
+                <a:tc>
+                  <a:txBody>
+                    <a:bodyPr/>
+                    <a:lstStyle/>
+                    <a:p>
+                      <a:endParaRPr lang="en-US" dirty="0"/>
+                    </a:p>
+                  </a:txBody>
+                  <a:tcPr/>
+                </a:tc>
+                <a:tc>
+                  <a:txBody>
+                    <a:bodyPr/>
+                    <a:lstStyle/>
+                    <a:p>
+                      <a:endParaRPr lang="en-US" dirty="0"/>
+                    </a:p>
+                  </a:txBody>
+                  <a:tcPr/>
+                </a:tc>
+                <a:tc>
+                  <a:txBody>
+                    <a:bodyPr/>
+                    <a:lstStyle/>
+                    <a:p>
+                      <a:endParaRPr lang="en-US" dirty="0"/>
+                    </a:p>
+                  </a:txBody>
+                  <a:tcPr/>
+                </a:tc>
+                <a:tc>
+                  <a:txBody>
+                    <a:bodyPr/>
+                    <a:lstStyle/>
+                    <a:p>
+                      <a:endParaRPr lang="en-US" dirty="0"/>
+                    </a:p>
+                  </a:txBody>
+                  <a:tcPr/>
+                </a:tc>
+                <a:tc>
+                  <a:txBody>
+                    <a:bodyPr/>
+                    <a:lstStyle/>
+                    <a:p>
+                      <a:endParaRPr lang="en-US" dirty="0"/>
+                    </a:p>
+                  </a:txBody>
+                  <a:tcPr/>
+                </a:tc>
+              </a:tr>
+            </a:tbl>
+          </a:graphicData>
+        </a:graphic>
+      </p:graphicFrame>
+      <p:sp>
+        <p:nvSpPr>
+          <p:cNvPr id="5" name="TextBox 4"/>
+          <p:cNvSpPr txBox="1"/>
+          <p:nvPr/>
+        </p:nvSpPr>
+        <p:spPr>
+          <a:xfrm>
+            <a:off x="457200" y="4495800"/>
+            <a:ext cx="602673" cy="646331"/>
+          </a:xfrm>
+          <a:prstGeom prst="rect">
+            <a:avLst/>
+          </a:prstGeom>
+          <a:noFill/>
+        </p:spPr>
+        <p:txBody>
+          <a:bodyPr wrap="square" rtlCol="0">
+            <a:spAutoFit/>
+          </a:bodyPr>
+          <a:lstStyle/>
+          <a:p>
+            <a:r>
+              <a:rPr lang="en-US" sz="3600" dirty="0" smtClean="0">
+                <a:latin typeface="Comic Sans MS" pitchFamily="66" charset="0"/>
+              </a:rPr>
+              <a:t>a</a:t>
+            </a:r>
+            <a:endParaRPr lang="en-US" sz="3600" dirty="0">
+              <a:latin typeface="Comic Sans MS" pitchFamily="66" charset="0"/>
+            </a:endParaRPr>
+          </a:p>
+        </p:txBody>
+      </p:sp>
+      <p:graphicFrame>
+        <p:nvGraphicFramePr>
+          <p:cNvPr id="7" name="Table 6"/>
+          <p:cNvGraphicFramePr>
+            <a:graphicFrameLocks noGrp="1"/>
+          </p:cNvGraphicFramePr>
+          <p:nvPr>
+            <p:extLst>
+              <p:ext uri="{D42A27DB-BD31-4B8C-83A1-F6EECF244321}">
+                <p14:modId xmlns:p14="http://schemas.microsoft.com/office/powerpoint/2010/main" val="648617550"/>
+              </p:ext>
+            </p:extLst>
+          </p:nvPr>
+        </p:nvGraphicFramePr>
+        <p:xfrm>
+          <a:off x="1295400" y="3886200"/>
+          <a:ext cx="6677890" cy="606928"/>
+        </p:xfrm>
+        <a:graphic>
+          <a:graphicData uri="http://schemas.openxmlformats.org/drawingml/2006/table">
+            <a:tbl>
+              <a:tblPr firstRow="1" bandRow="1">
+                <a:tableStyleId>{5940675A-B579-460E-94D1-54222C63F5DA}</a:tableStyleId>
+              </a:tblPr>
+              <a:tblGrid>
+                <a:gridCol w="667789"/>
+                <a:gridCol w="667789"/>
+                <a:gridCol w="667789"/>
+                <a:gridCol w="667789"/>
+                <a:gridCol w="667789"/>
+                <a:gridCol w="667789"/>
+                <a:gridCol w="667789"/>
+                <a:gridCol w="667789"/>
+                <a:gridCol w="667789"/>
+                <a:gridCol w="667789"/>
+              </a:tblGrid>
+              <a:tr h="606928">
+                <a:tc>
+                  <a:txBody>
+                    <a:bodyPr/>
+                    <a:lstStyle/>
+                    <a:p>
+                      <a:endParaRPr lang="en-US" dirty="0"/>
+                    </a:p>
+                  </a:txBody>
+                  <a:tcPr/>
+                </a:tc>
+                <a:tc>
+                  <a:txBody>
+                    <a:bodyPr/>
+                    <a:lstStyle/>
+                    <a:p>
+                      <a:endParaRPr lang="en-US" dirty="0"/>
+                    </a:p>
+                  </a:txBody>
+                  <a:tcPr/>
+                </a:tc>
+                <a:tc>
+                  <a:txBody>
+                    <a:bodyPr/>
+                    <a:lstStyle/>
+                    <a:p>
+                      <a:endParaRPr lang="en-US" dirty="0"/>
+                    </a:p>
+                  </a:txBody>
+                  <a:tcPr/>
+                </a:tc>
+                <a:tc>
+                  <a:txBody>
+                    <a:bodyPr/>
+                    <a:lstStyle/>
+                    <a:p>
+                      <a:endParaRPr lang="en-US" dirty="0"/>
+                    </a:p>
+                  </a:txBody>
+                  <a:tcPr/>
+                </a:tc>
+                <a:tc>
+                  <a:txBody>
+                    <a:bodyPr/>
+                    <a:lstStyle/>
+                    <a:p>
+                      <a:endParaRPr lang="en-US" dirty="0"/>
+                    </a:p>
+                  </a:txBody>
+                  <a:tcPr/>
+                </a:tc>
+                <a:tc>
+                  <a:txBody>
+                    <a:bodyPr/>
+                    <a:lstStyle/>
+                    <a:p>
+                      <a:endParaRPr lang="en-US" dirty="0"/>
+                    </a:p>
+                  </a:txBody>
+                  <a:tcPr/>
+                </a:tc>
+                <a:tc>
+                  <a:txBody>
+                    <a:bodyPr/>
+                    <a:lstStyle/>
+                    <a:p>
+                      <a:endParaRPr lang="en-US" dirty="0"/>
+                    </a:p>
+                  </a:txBody>
+                  <a:tcPr/>
+                </a:tc>
+                <a:tc>
+                  <a:txBody>
+                    <a:bodyPr/>
+                    <a:lstStyle/>
+                    <a:p>
+                      <a:endParaRPr lang="en-US" dirty="0"/>
+                    </a:p>
+                  </a:txBody>
+                  <a:tcPr/>
+                </a:tc>
+                <a:tc>
+                  <a:txBody>
+                    <a:bodyPr/>
+                    <a:lstStyle/>
+                    <a:p>
+                      <a:endParaRPr lang="en-US" dirty="0"/>
+                    </a:p>
+                  </a:txBody>
+                  <a:tcPr/>
+                </a:tc>
+                <a:tc>
+                  <a:txBody>
+                    <a:bodyPr/>
+                    <a:lstStyle/>
+                    <a:p>
+                      <a:endParaRPr lang="en-US" dirty="0"/>
+                    </a:p>
+                  </a:txBody>
+                  <a:tcPr/>
+                </a:tc>
+              </a:tr>
+            </a:tbl>
+          </a:graphicData>
+        </a:graphic>
+      </p:graphicFrame>
+      <p:graphicFrame>
+        <p:nvGraphicFramePr>
+          <p:cNvPr id="8" name="Table 7"/>
+          <p:cNvGraphicFramePr>
+            <a:graphicFrameLocks noGrp="1"/>
+          </p:cNvGraphicFramePr>
+          <p:nvPr>
+            <p:extLst>
+              <p:ext uri="{D42A27DB-BD31-4B8C-83A1-F6EECF244321}">
+                <p14:modId xmlns:p14="http://schemas.microsoft.com/office/powerpoint/2010/main" val="2535195912"/>
+              </p:ext>
+            </p:extLst>
+          </p:nvPr>
+        </p:nvGraphicFramePr>
+        <p:xfrm>
+          <a:off x="1295400" y="4495800"/>
+          <a:ext cx="6677890" cy="606928"/>
+        </p:xfrm>
+        <a:graphic>
+          <a:graphicData uri="http://schemas.openxmlformats.org/drawingml/2006/table">
+            <a:tbl>
+              <a:tblPr firstRow="1" bandRow="1">
+                <a:tableStyleId>{5940675A-B579-460E-94D1-54222C63F5DA}</a:tableStyleId>
+              </a:tblPr>
+              <a:tblGrid>
+                <a:gridCol w="667789"/>
+                <a:gridCol w="667789"/>
+                <a:gridCol w="667789"/>
+                <a:gridCol w="667789"/>
+                <a:gridCol w="667789"/>
+                <a:gridCol w="667789"/>
+                <a:gridCol w="667789"/>
+                <a:gridCol w="667789"/>
+                <a:gridCol w="667789"/>
+                <a:gridCol w="667789"/>
+              </a:tblGrid>
+              <a:tr h="606928">
+                <a:tc>
+                  <a:txBody>
+                    <a:bodyPr/>
+                    <a:lstStyle/>
+                    <a:p>
+                      <a:endParaRPr lang="en-US" dirty="0"/>
+                    </a:p>
+                  </a:txBody>
+                  <a:tcPr/>
+                </a:tc>
+                <a:tc>
+                  <a:txBody>
+                    <a:bodyPr/>
+                    <a:lstStyle/>
+                    <a:p>
+                      <a:endParaRPr lang="en-US" dirty="0"/>
+                    </a:p>
+                  </a:txBody>
+                  <a:tcPr/>
+                </a:tc>
+                <a:tc>
+                  <a:txBody>
+                    <a:bodyPr/>
+                    <a:lstStyle/>
+                    <a:p>
+                      <a:endParaRPr lang="en-US" dirty="0"/>
+                    </a:p>
+                  </a:txBody>
+                  <a:tcPr/>
+                </a:tc>
+                <a:tc>
+                  <a:txBody>
+                    <a:bodyPr/>
+                    <a:lstStyle/>
+                    <a:p>
+                      <a:endParaRPr lang="en-US" dirty="0"/>
+                    </a:p>
+                  </a:txBody>
+                  <a:tcPr/>
+                </a:tc>
+                <a:tc>
+                  <a:txBody>
+                    <a:bodyPr/>
+                    <a:lstStyle/>
+                    <a:p>
+                      <a:endParaRPr lang="en-US" dirty="0"/>
+                    </a:p>
+                  </a:txBody>
+                  <a:tcPr/>
+                </a:tc>
+                <a:tc>
+                  <a:txBody>
+                    <a:bodyPr/>
+                    <a:lstStyle/>
+                    <a:p>
+                      <a:endParaRPr lang="en-US" dirty="0"/>
+                    </a:p>
+                  </a:txBody>
+                  <a:tcPr/>
+                </a:tc>
+                <a:tc>
+                  <a:txBody>
+                    <a:bodyPr/>
+                    <a:lstStyle/>
+                    <a:p>
+                      <a:endParaRPr lang="en-US" dirty="0"/>
+                    </a:p>
+                  </a:txBody>
+                  <a:tcPr/>
+                </a:tc>
+                <a:tc>
+                  <a:txBody>
+                    <a:bodyPr/>
+                    <a:lstStyle/>
+                    <a:p>
+                      <a:endParaRPr lang="en-US" dirty="0"/>
+                    </a:p>
+                  </a:txBody>
+                  <a:tcPr/>
+                </a:tc>
+                <a:tc>
+                  <a:txBody>
+                    <a:bodyPr/>
+                    <a:lstStyle/>
+                    <a:p>
+                      <a:endParaRPr lang="en-US" dirty="0"/>
+                    </a:p>
+                  </a:txBody>
+                  <a:tcPr/>
+                </a:tc>
+                <a:tc>
+                  <a:txBody>
+                    <a:bodyPr/>
+                    <a:lstStyle/>
+                    <a:p>
+                      <a:endParaRPr lang="en-US" dirty="0"/>
+                    </a:p>
+                  </a:txBody>
+                  <a:tcPr/>
+                </a:tc>
+              </a:tr>
+            </a:tbl>
+          </a:graphicData>
+        </a:graphic>
+      </p:graphicFrame>
+      <p:graphicFrame>
+        <p:nvGraphicFramePr>
+          <p:cNvPr id="9" name="Table 8"/>
+          <p:cNvGraphicFramePr>
+            <a:graphicFrameLocks noGrp="1"/>
+          </p:cNvGraphicFramePr>
+          <p:nvPr>
+            <p:extLst>
+              <p:ext uri="{D42A27DB-BD31-4B8C-83A1-F6EECF244321}">
+                <p14:modId xmlns:p14="http://schemas.microsoft.com/office/powerpoint/2010/main" val="1100572786"/>
+              </p:ext>
+            </p:extLst>
+          </p:nvPr>
+        </p:nvGraphicFramePr>
+        <p:xfrm>
+          <a:off x="1295400" y="5105400"/>
+          <a:ext cx="6677890" cy="606928"/>
+        </p:xfrm>
+        <a:graphic>
+          <a:graphicData uri="http://schemas.openxmlformats.org/drawingml/2006/table">
+            <a:tbl>
+              <a:tblPr firstRow="1" bandRow="1">
+                <a:tableStyleId>{5940675A-B579-460E-94D1-54222C63F5DA}</a:tableStyleId>
+              </a:tblPr>
+              <a:tblGrid>
+                <a:gridCol w="667789"/>
+                <a:gridCol w="667789"/>
+                <a:gridCol w="667789"/>
+                <a:gridCol w="667789"/>
+                <a:gridCol w="667789"/>
+                <a:gridCol w="667789"/>
+                <a:gridCol w="667789"/>
+                <a:gridCol w="667789"/>
+                <a:gridCol w="667789"/>
+                <a:gridCol w="667789"/>
+              </a:tblGrid>
+              <a:tr h="606928">
+                <a:tc>
+                  <a:txBody>
+                    <a:bodyPr/>
+                    <a:lstStyle/>
+                    <a:p>
+                      <a:endParaRPr lang="en-US" dirty="0"/>
+                    </a:p>
+                  </a:txBody>
+                  <a:tcPr/>
+                </a:tc>
+                <a:tc>
+                  <a:txBody>
+                    <a:bodyPr/>
+                    <a:lstStyle/>
+                    <a:p>
+                      <a:endParaRPr lang="en-US" dirty="0"/>
+                    </a:p>
+                  </a:txBody>
+                  <a:tcPr/>
+                </a:tc>
+                <a:tc>
+                  <a:txBody>
+                    <a:bodyPr/>
+                    <a:lstStyle/>
+                    <a:p>
+                      <a:endParaRPr lang="en-US" dirty="0"/>
+                    </a:p>
+                  </a:txBody>
+                  <a:tcPr/>
+                </a:tc>
+                <a:tc>
+                  <a:txBody>
+                    <a:bodyPr/>
+                    <a:lstStyle/>
+                    <a:p>
+                      <a:endParaRPr lang="en-US" dirty="0"/>
+                    </a:p>
+                  </a:txBody>
+                  <a:tcPr/>
+                </a:tc>
+                <a:tc>
+                  <a:txBody>
+                    <a:bodyPr/>
+                    <a:lstStyle/>
+                    <a:p>
+                      <a:endParaRPr lang="en-US" dirty="0"/>
+                    </a:p>
+                  </a:txBody>
+                  <a:tcPr/>
+                </a:tc>
+                <a:tc>
+                  <a:txBody>
+                    <a:bodyPr/>
+                    <a:lstStyle/>
+                    <a:p>
+                      <a:endParaRPr lang="en-US" dirty="0"/>
+                    </a:p>
+                  </a:txBody>
+                  <a:tcPr/>
+                </a:tc>
+                <a:tc>
+                  <a:txBody>
+                    <a:bodyPr/>
+                    <a:lstStyle/>
+                    <a:p>
+                      <a:endParaRPr lang="en-US" dirty="0"/>
+                    </a:p>
+                  </a:txBody>
+                  <a:tcPr/>
+                </a:tc>
+                <a:tc>
+                  <a:txBody>
+                    <a:bodyPr/>
+                    <a:lstStyle/>
+                    <a:p>
+                      <a:endParaRPr lang="en-US" dirty="0"/>
+                    </a:p>
+                  </a:txBody>
+                  <a:tcPr/>
+                </a:tc>
+                <a:tc>
+                  <a:txBody>
+                    <a:bodyPr/>
+                    <a:lstStyle/>
+                    <a:p>
+                      <a:endParaRPr lang="en-US" dirty="0"/>
+                    </a:p>
+                  </a:txBody>
+                  <a:tcPr/>
+                </a:tc>
+                <a:tc>
+                  <a:txBody>
+                    <a:bodyPr/>
+                    <a:lstStyle/>
+                    <a:p>
+                      <a:endParaRPr lang="en-US" dirty="0"/>
+                    </a:p>
+                  </a:txBody>
+                  <a:tcPr/>
+                </a:tc>
+              </a:tr>
+            </a:tbl>
+          </a:graphicData>
+        </a:graphic>
+      </p:graphicFrame>
+      <p:graphicFrame>
+        <p:nvGraphicFramePr>
+          <p:cNvPr id="10" name="Table 9"/>
+          <p:cNvGraphicFramePr>
+            <a:graphicFrameLocks noGrp="1"/>
+          </p:cNvGraphicFramePr>
+          <p:nvPr>
+            <p:extLst>
+              <p:ext uri="{D42A27DB-BD31-4B8C-83A1-F6EECF244321}">
+                <p14:modId xmlns:p14="http://schemas.microsoft.com/office/powerpoint/2010/main" val="3443433165"/>
+              </p:ext>
+            </p:extLst>
+          </p:nvPr>
+        </p:nvGraphicFramePr>
+        <p:xfrm>
+          <a:off x="1295400" y="5715000"/>
+          <a:ext cx="6677890" cy="606928"/>
+        </p:xfrm>
+        <a:graphic>
+          <a:graphicData uri="http://schemas.openxmlformats.org/drawingml/2006/table">
+            <a:tbl>
+              <a:tblPr firstRow="1" bandRow="1">
+                <a:tableStyleId>{5940675A-B579-460E-94D1-54222C63F5DA}</a:tableStyleId>
+              </a:tblPr>
+              <a:tblGrid>
+                <a:gridCol w="667789"/>
+                <a:gridCol w="667789"/>
+                <a:gridCol w="667789"/>
+                <a:gridCol w="667789"/>
+                <a:gridCol w="667789"/>
+                <a:gridCol w="667789"/>
+                <a:gridCol w="667789"/>
+                <a:gridCol w="667789"/>
+                <a:gridCol w="667789"/>
+                <a:gridCol w="667789"/>
+              </a:tblGrid>
+              <a:tr h="606928">
+                <a:tc>
+                  <a:txBody>
+                    <a:bodyPr/>
+                    <a:lstStyle/>
+                    <a:p>
+                      <a:endParaRPr lang="en-US" dirty="0"/>
+                    </a:p>
+                  </a:txBody>
+                  <a:tcPr/>
+                </a:tc>
+                <a:tc>
+                  <a:txBody>
+                    <a:bodyPr/>
+                    <a:lstStyle/>
+                    <a:p>
+                      <a:endParaRPr lang="en-US" dirty="0"/>
+                    </a:p>
+                  </a:txBody>
+                  <a:tcPr/>
+                </a:tc>
+                <a:tc>
+                  <a:txBody>
+                    <a:bodyPr/>
+                    <a:lstStyle/>
+                    <a:p>
+                      <a:endParaRPr lang="en-US" dirty="0"/>
+                    </a:p>
+                  </a:txBody>
+                  <a:tcPr/>
+                </a:tc>
+                <a:tc>
+                  <a:txBody>
+                    <a:bodyPr/>
+                    <a:lstStyle/>
+                    <a:p>
+                      <a:endParaRPr lang="en-US" dirty="0"/>
+                    </a:p>
+                  </a:txBody>
+                  <a:tcPr/>
+                </a:tc>
+                <a:tc>
+                  <a:txBody>
+                    <a:bodyPr/>
+                    <a:lstStyle/>
+                    <a:p>
+                      <a:endParaRPr lang="en-US" dirty="0"/>
+                    </a:p>
+                  </a:txBody>
+                  <a:tcPr/>
+                </a:tc>
+                <a:tc>
+                  <a:txBody>
+                    <a:bodyPr/>
+                    <a:lstStyle/>
+                    <a:p>
+                      <a:endParaRPr lang="en-US" dirty="0"/>
+                    </a:p>
+                  </a:txBody>
+                  <a:tcPr/>
+                </a:tc>
+                <a:tc>
+                  <a:txBody>
+                    <a:bodyPr/>
+                    <a:lstStyle/>
+                    <a:p>
+                      <a:endParaRPr lang="en-US" dirty="0"/>
+                    </a:p>
+                  </a:txBody>
+                  <a:tcPr/>
+                </a:tc>
+                <a:tc>
+                  <a:txBody>
+                    <a:bodyPr/>
+                    <a:lstStyle/>
+                    <a:p>
+                      <a:endParaRPr lang="en-US" dirty="0"/>
+                    </a:p>
+                  </a:txBody>
+                  <a:tcPr/>
+                </a:tc>
+                <a:tc>
+                  <a:txBody>
+                    <a:bodyPr/>
+                    <a:lstStyle/>
+                    <a:p>
+                      <a:endParaRPr lang="en-US" dirty="0"/>
+                    </a:p>
+                  </a:txBody>
+                  <a:tcPr/>
+                </a:tc>
+                <a:tc>
+                  <a:txBody>
+                    <a:bodyPr/>
+                    <a:lstStyle/>
+                    <a:p>
+                      <a:endParaRPr lang="en-US" dirty="0"/>
+                    </a:p>
+                  </a:txBody>
+                  <a:tcPr/>
+                </a:tc>
+              </a:tr>
+            </a:tbl>
+          </a:graphicData>
+        </a:graphic>
+      </p:graphicFrame>
+    </p:spTree>
+    <p:extLst>
+      <p:ext uri="{BB962C8B-B14F-4D97-AF65-F5344CB8AC3E}">
+        <p14:creationId xmlns:p14="http://schemas.microsoft.com/office/powerpoint/2010/main" val="2340664435"/>
+      </p:ext>
+    </p:extLst>
+  </p:cSld>
+  <p:clrMapOvr>
+    <a:masterClrMapping/>
+  </p:clrMapOvr>
+  <p:timing>
+    <p:tnLst>
+      <p:par>
+        <p:cTn id="1" dur="indefinite" restart="never" nodeType="tmRoot"/>
+      </p:par>
+    </p:tnLst>
+  </p:timing>
+</p:sld>
+</file>
+
+<file path=ppt/slides/slide8.xml><?xml version="1.0" encoding="utf-8"?>
+<p:sld xmlns:a="http://schemas.openxmlformats.org/drawingml/2006/main" xmlns:r="http://schemas.openxmlformats.org/officeDocument/2006/relationships" xmlns:p="http://schemas.openxmlformats.org/presentationml/2006/main">
+  <p:cSld>
+    <p:spTree>
+      <p:nvGrpSpPr>
+        <p:cNvPr id="1" name=""/>
+        <p:cNvGrpSpPr/>
+        <p:nvPr/>
+      </p:nvGrpSpPr>
+      <p:grpSpPr>
+        <a:xfrm>
+          <a:off x="0" y="0"/>
+          <a:ext cx="0" cy="0"/>
+          <a:chOff x="0" y="0"/>
+          <a:chExt cx="0" cy="0"/>
+        </a:xfrm>
+      </p:grpSpPr>
+      <p:sp>
+        <p:nvSpPr>
+          <p:cNvPr id="2" name="Title 1"/>
+          <p:cNvSpPr>
+            <a:spLocks noGrp="1"/>
+          </p:cNvSpPr>
+          <p:nvPr>
+            <p:ph type="title"/>
+          </p:nvPr>
+        </p:nvSpPr>
+        <p:spPr/>
+        <p:txBody>
+          <a:bodyPr/>
+          <a:lstStyle/>
+          <a:p>
+            <a:pPr algn="l"/>
+            <a:r>
+              <a:rPr lang="en-US" dirty="0" smtClean="0">
+                <a:latin typeface="Comic Sans MS" pitchFamily="66" charset="0"/>
+              </a:rPr>
+              <a:t>Declaring Arrays</a:t>
+            </a:r>
+            <a:endParaRPr lang="en-US" dirty="0">
+              <a:latin typeface="Comic Sans MS" pitchFamily="66" charset="0"/>
+            </a:endParaRPr>
+          </a:p>
+        </p:txBody>
+      </p:sp>
+      <p:sp>
+        <p:nvSpPr>
+          <p:cNvPr id="3" name="Content Placeholder 2"/>
+          <p:cNvSpPr>
+            <a:spLocks noGrp="1"/>
+          </p:cNvSpPr>
+          <p:nvPr>
+            <p:ph idx="1"/>
+          </p:nvPr>
+        </p:nvSpPr>
+        <p:spPr>
+          <a:xfrm>
+            <a:off x="457200" y="1600201"/>
+            <a:ext cx="8229600" cy="685800"/>
+          </a:xfrm>
+        </p:spPr>
+        <p:txBody>
+          <a:bodyPr>
+            <a:normAutofit/>
+          </a:bodyPr>
+          <a:lstStyle/>
+          <a:p>
+            <a:pPr marL="0" indent="0">
+              <a:buNone/>
+            </a:pPr>
+            <a:r>
+              <a:rPr lang="en-US" dirty="0">
+                <a:latin typeface="Comic Sans MS" pitchFamily="66" charset="0"/>
+              </a:rPr>
+              <a:t>i</a:t>
+            </a:r>
+            <a:r>
+              <a:rPr lang="en-US" dirty="0" smtClean="0">
+                <a:latin typeface="Comic Sans MS" pitchFamily="66" charset="0"/>
+              </a:rPr>
+              <a:t>nt </a:t>
+            </a:r>
+            <a:r>
+              <a:rPr lang="en-US" dirty="0">
+                <a:latin typeface="Comic Sans MS" pitchFamily="66" charset="0"/>
+              </a:rPr>
+              <a:t>a[5][10];</a:t>
+            </a:r>
+            <a:endParaRPr lang="en-US" dirty="0" smtClean="0">
+              <a:latin typeface="Comic Sans MS" pitchFamily="66" charset="0"/>
+            </a:endParaRPr>
+          </a:p>
+        </p:txBody>
+      </p:sp>
+      <p:graphicFrame>
+        <p:nvGraphicFramePr>
+          <p:cNvPr id="4" name="Table 3"/>
+          <p:cNvGraphicFramePr>
+            <a:graphicFrameLocks noGrp="1"/>
+          </p:cNvGraphicFramePr>
+          <p:nvPr>
+            <p:extLst>
+              <p:ext uri="{D42A27DB-BD31-4B8C-83A1-F6EECF244321}">
+                <p14:modId xmlns:p14="http://schemas.microsoft.com/office/powerpoint/2010/main" val="488324857"/>
+              </p:ext>
+            </p:extLst>
+          </p:nvPr>
+        </p:nvGraphicFramePr>
+        <p:xfrm>
+          <a:off x="3505200" y="1828800"/>
+          <a:ext cx="4572000" cy="3098800"/>
+        </p:xfrm>
+        <a:graphic>
+          <a:graphicData uri="http://schemas.openxmlformats.org/drawingml/2006/table">
+            <a:tbl>
+              <a:tblPr firstRow="1" bandRow="1">
+                <a:tableStyleId>{5940675A-B579-460E-94D1-54222C63F5DA}</a:tableStyleId>
+              </a:tblPr>
+              <a:tblGrid>
+                <a:gridCol w="457200"/>
+                <a:gridCol w="457200"/>
+                <a:gridCol w="457200"/>
+                <a:gridCol w="457200"/>
+                <a:gridCol w="457200"/>
+                <a:gridCol w="457200"/>
+                <a:gridCol w="457200"/>
+                <a:gridCol w="457200"/>
+                <a:gridCol w="457200"/>
+                <a:gridCol w="457200"/>
+              </a:tblGrid>
+              <a:tr h="387350">
+                <a:tc>
+                  <a:txBody>
+                    <a:bodyPr/>
+                    <a:lstStyle/>
+                    <a:p>
+                      <a:endParaRPr lang="en-US" dirty="0"/>
+                    </a:p>
+                  </a:txBody>
+                  <a:tcPr/>
+                </a:tc>
+                <a:tc>
+                  <a:txBody>
+                    <a:bodyPr/>
+                    <a:lstStyle/>
+                    <a:p>
+                      <a:endParaRPr lang="en-US"/>
+                    </a:p>
+                  </a:txBody>
+                  <a:tcPr/>
+                </a:tc>
+                <a:tc>
+                  <a:txBody>
+                    <a:bodyPr/>
+                    <a:lstStyle/>
+                    <a:p>
+                      <a:endParaRPr lang="en-US"/>
+                    </a:p>
+                  </a:txBody>
+                  <a:tcPr/>
+                </a:tc>
+                <a:tc>
+                  <a:txBody>
+                    <a:bodyPr/>
+                    <a:lstStyle/>
+                    <a:p>
+                      <a:endParaRPr lang="en-US" dirty="0"/>
+                    </a:p>
+                  </a:txBody>
+                  <a:tcPr/>
+                </a:tc>
+                <a:tc>
+                  <a:txBody>
+                    <a:bodyPr/>
+                    <a:lstStyle/>
+                    <a:p>
+                      <a:endParaRPr lang="en-US"/>
+                    </a:p>
+                  </a:txBody>
+                  <a:tcPr/>
+                </a:tc>
+                <a:tc>
+                  <a:txBody>
+                    <a:bodyPr/>
+                    <a:lstStyle/>
+                    <a:p>
+                      <a:endParaRPr lang="en-US"/>
+                    </a:p>
+                  </a:txBody>
+                  <a:tcPr/>
+                </a:tc>
+                <a:tc>
+                  <a:txBody>
+                    <a:bodyPr/>
+                    <a:lstStyle/>
+                    <a:p>
+                      <a:endParaRPr lang="en-US"/>
+                    </a:p>
+                  </a:txBody>
+                  <a:tcPr/>
+                </a:tc>
+                <a:tc>
+                  <a:txBody>
+                    <a:bodyPr/>
+                    <a:lstStyle/>
+                    <a:p>
+                      <a:endParaRPr lang="en-US"/>
+                    </a:p>
+                  </a:txBody>
+                  <a:tcPr/>
+                </a:tc>
+                <a:tc>
+                  <a:txBody>
+                    <a:bodyPr/>
+                    <a:lstStyle/>
+                    <a:p>
+                      <a:endParaRPr lang="en-US"/>
+                    </a:p>
+                  </a:txBody>
+                  <a:tcPr/>
+                </a:tc>
+                <a:tc>
+                  <a:txBody>
+                    <a:bodyPr/>
+                    <a:lstStyle/>
+                    <a:p>
+                      <a:endParaRPr lang="en-US"/>
+                    </a:p>
+                  </a:txBody>
+                  <a:tcPr/>
+                </a:tc>
+              </a:tr>
+              <a:tr h="387350">
+                <a:tc>
+                  <a:txBody>
+                    <a:bodyPr/>
+                    <a:lstStyle/>
+                    <a:p>
+                      <a:endParaRPr lang="en-US"/>
+                    </a:p>
+                  </a:txBody>
+                  <a:tcPr/>
+                </a:tc>
+                <a:tc>
+                  <a:txBody>
+                    <a:bodyPr/>
+                    <a:lstStyle/>
+                    <a:p>
+                      <a:endParaRPr lang="en-US" dirty="0"/>
+                    </a:p>
+                  </a:txBody>
+                  <a:tcPr/>
+                </a:tc>
+                <a:tc>
+                  <a:txBody>
+                    <a:bodyPr/>
+                    <a:lstStyle/>
+                    <a:p>
+                      <a:endParaRPr lang="en-US" dirty="0"/>
+                    </a:p>
+                  </a:txBody>
+                  <a:tcPr/>
+                </a:tc>
+                <a:tc>
+                  <a:txBody>
+                    <a:bodyPr/>
+                    <a:lstStyle/>
+                    <a:p>
+                      <a:endParaRPr lang="en-US" dirty="0"/>
+                    </a:p>
+                  </a:txBody>
+                  <a:tcPr/>
+                </a:tc>
+                <a:tc>
+                  <a:txBody>
+                    <a:bodyPr/>
+                    <a:lstStyle/>
+                    <a:p>
+                      <a:endParaRPr lang="en-US" dirty="0"/>
+                    </a:p>
+                  </a:txBody>
+                  <a:tcPr/>
+                </a:tc>
+                <a:tc>
+                  <a:txBody>
+                    <a:bodyPr/>
+                    <a:lstStyle/>
+                    <a:p>
+                      <a:endParaRPr lang="en-US" dirty="0"/>
+                    </a:p>
+                  </a:txBody>
+                  <a:tcPr/>
+                </a:tc>
+                <a:tc>
+                  <a:txBody>
+                    <a:bodyPr/>
+                    <a:lstStyle/>
+                    <a:p>
+                      <a:endParaRPr lang="en-US" dirty="0"/>
+                    </a:p>
+                  </a:txBody>
+                  <a:tcPr/>
+                </a:tc>
+                <a:tc>
+                  <a:txBody>
+                    <a:bodyPr/>
+                    <a:lstStyle/>
+                    <a:p>
+                      <a:endParaRPr lang="en-US" dirty="0"/>
+                    </a:p>
+                  </a:txBody>
+                  <a:tcPr/>
+                </a:tc>
+                <a:tc>
+                  <a:txBody>
+                    <a:bodyPr/>
+                    <a:lstStyle/>
+                    <a:p>
+                      <a:endParaRPr lang="en-US" dirty="0"/>
+                    </a:p>
+                  </a:txBody>
+                  <a:tcPr/>
+                </a:tc>
+                <a:tc>
+                  <a:txBody>
+                    <a:bodyPr/>
+                    <a:lstStyle/>
+                    <a:p>
+                      <a:endParaRPr lang="en-US" dirty="0"/>
+                    </a:p>
+                  </a:txBody>
+                  <a:tcPr/>
+                </a:tc>
+              </a:tr>
+              <a:tr h="387350">
+                <a:tc>
+                  <a:txBody>
+                    <a:bodyPr/>
+                    <a:lstStyle/>
+                    <a:p>
+                      <a:endParaRPr lang="en-US"/>
+                    </a:p>
+                  </a:txBody>
+                  <a:tcPr/>
+                </a:tc>
+                <a:tc>
+                  <a:txBody>
+                    <a:bodyPr/>
+                    <a:lstStyle/>
+                    <a:p>
+                      <a:endParaRPr lang="en-US"/>
+                    </a:p>
+                  </a:txBody>
+                  <a:tcPr/>
+                </a:tc>
+                <a:tc>
+                  <a:txBody>
+                    <a:bodyPr/>
+                    <a:lstStyle/>
+                    <a:p>
+                      <a:endParaRPr lang="en-US"/>
+                    </a:p>
+                  </a:txBody>
+                  <a:tcPr/>
+                </a:tc>
+                <a:tc>
+                  <a:txBody>
+                    <a:bodyPr/>
+                    <a:lstStyle/>
+                    <a:p>
+                      <a:endParaRPr lang="en-US" dirty="0"/>
+                    </a:p>
+                  </a:txBody>
+                  <a:tcPr>
+                    <a:solidFill>
+                      <a:schemeClr val="accent3"/>
+                    </a:solidFill>
+                  </a:tcPr>
+                </a:tc>
+                <a:tc>
+                  <a:txBody>
+                    <a:bodyPr/>
+                    <a:lstStyle/>
+                    <a:p>
+                      <a:endParaRPr lang="en-US" dirty="0"/>
+                    </a:p>
+                  </a:txBody>
+                  <a:tcPr>
+                    <a:solidFill>
+                      <a:schemeClr val="accent3"/>
+                    </a:solidFill>
+                  </a:tcPr>
+                </a:tc>
+                <a:tc>
+                  <a:txBody>
+                    <a:bodyPr/>
+                    <a:lstStyle/>
+                    <a:p>
+                      <a:endParaRPr lang="en-US" dirty="0"/>
+                    </a:p>
+                  </a:txBody>
+                  <a:tcPr>
+                    <a:solidFill>
+                      <a:schemeClr val="accent3"/>
+                    </a:solidFill>
+                  </a:tcPr>
+                </a:tc>
+                <a:tc>
+                  <a:txBody>
+                    <a:bodyPr/>
+                    <a:lstStyle/>
+                    <a:p>
+                      <a:endParaRPr lang="en-US" dirty="0"/>
+                    </a:p>
+                  </a:txBody>
+                  <a:tcPr>
+                    <a:solidFill>
+                      <a:schemeClr val="accent3"/>
+                    </a:solidFill>
+                  </a:tcPr>
+                </a:tc>
+                <a:tc>
+                  <a:txBody>
+                    <a:bodyPr/>
+                    <a:lstStyle/>
+                    <a:p>
+                      <a:endParaRPr lang="en-US" dirty="0"/>
+                    </a:p>
+                  </a:txBody>
+                  <a:tcPr>
+                    <a:solidFill>
+                      <a:schemeClr val="accent3"/>
+                    </a:solidFill>
+                  </a:tcPr>
+                </a:tc>
+                <a:tc>
+                  <a:txBody>
+                    <a:bodyPr/>
+                    <a:lstStyle/>
+                    <a:p>
+                      <a:endParaRPr lang="en-US" dirty="0"/>
+                    </a:p>
+                  </a:txBody>
+                  <a:tcPr>
+                    <a:solidFill>
+                      <a:schemeClr val="accent3"/>
+                    </a:solidFill>
+                  </a:tcPr>
+                </a:tc>
+                <a:tc>
+                  <a:txBody>
+                    <a:bodyPr/>
+                    <a:lstStyle/>
+                    <a:p>
+                      <a:endParaRPr lang="en-US" dirty="0"/>
+                    </a:p>
+                  </a:txBody>
+                  <a:tcPr>
+                    <a:solidFill>
+                      <a:schemeClr val="accent3"/>
+                    </a:solidFill>
+                  </a:tcPr>
+                </a:tc>
+              </a:tr>
+              <a:tr h="387350">
+                <a:tc>
+                  <a:txBody>
+                    <a:bodyPr/>
+                    <a:lstStyle/>
+                    <a:p>
+                      <a:endParaRPr lang="en-US" dirty="0"/>
+                    </a:p>
+                  </a:txBody>
+                  <a:tcPr>
+                    <a:solidFill>
+                      <a:schemeClr val="accent3"/>
+                    </a:solidFill>
+                  </a:tcPr>
+                </a:tc>
+                <a:tc>
+                  <a:txBody>
+                    <a:bodyPr/>
+                    <a:lstStyle/>
+                    <a:p>
+                      <a:endParaRPr lang="en-US" dirty="0"/>
+                    </a:p>
+                  </a:txBody>
+                  <a:tcPr>
+                    <a:solidFill>
+                      <a:schemeClr val="accent3"/>
+                    </a:solidFill>
+                  </a:tcPr>
+                </a:tc>
+                <a:tc>
+                  <a:txBody>
+                    <a:bodyPr/>
+                    <a:lstStyle/>
+                    <a:p>
+                      <a:endParaRPr lang="en-US" dirty="0"/>
+                    </a:p>
+                  </a:txBody>
+                  <a:tcPr>
+                    <a:solidFill>
+                      <a:schemeClr val="accent3"/>
+                    </a:solidFill>
+                  </a:tcPr>
+                </a:tc>
+                <a:tc>
+                  <a:txBody>
+                    <a:bodyPr/>
+                    <a:lstStyle/>
+                    <a:p>
+                      <a:endParaRPr lang="en-US" dirty="0"/>
+                    </a:p>
+                  </a:txBody>
+                  <a:tcPr>
+                    <a:solidFill>
+                      <a:srgbClr val="92D050"/>
+                    </a:solidFill>
+                  </a:tcPr>
+                </a:tc>
+                <a:tc>
+                  <a:txBody>
+                    <a:bodyPr/>
+                    <a:lstStyle/>
+                    <a:p>
+                      <a:endParaRPr lang="en-US" dirty="0"/>
+                    </a:p>
+                  </a:txBody>
+                  <a:tcPr>
+                    <a:solidFill>
+                      <a:srgbClr val="92D050"/>
+                    </a:solidFill>
+                  </a:tcPr>
+                </a:tc>
+                <a:tc>
+                  <a:txBody>
+                    <a:bodyPr/>
+                    <a:lstStyle/>
+                    <a:p>
+                      <a:endParaRPr lang="en-US" dirty="0"/>
+                    </a:p>
+                  </a:txBody>
+                  <a:tcPr>
+                    <a:solidFill>
+                      <a:srgbClr val="92D050"/>
+                    </a:solidFill>
+                  </a:tcPr>
+                </a:tc>
+                <a:tc>
+                  <a:txBody>
+                    <a:bodyPr/>
+                    <a:lstStyle/>
+                    <a:p>
+                      <a:endParaRPr lang="en-US" dirty="0"/>
+                    </a:p>
+                  </a:txBody>
+                  <a:tcPr>
+                    <a:solidFill>
+                      <a:srgbClr val="92D050"/>
+                    </a:solidFill>
+                  </a:tcPr>
+                </a:tc>
+                <a:tc>
+                  <a:txBody>
+                    <a:bodyPr/>
+                    <a:lstStyle/>
+                    <a:p>
+                      <a:endParaRPr lang="en-US" dirty="0"/>
+                    </a:p>
+                  </a:txBody>
+                  <a:tcPr>
+                    <a:solidFill>
+                      <a:srgbClr val="92D050"/>
+                    </a:solidFill>
+                  </a:tcPr>
+                </a:tc>
+                <a:tc>
+                  <a:txBody>
+                    <a:bodyPr/>
+                    <a:lstStyle/>
+                    <a:p>
+                      <a:endParaRPr lang="en-US" dirty="0"/>
+                    </a:p>
+                  </a:txBody>
+                  <a:tcPr>
+                    <a:solidFill>
+                      <a:srgbClr val="92D050"/>
+                    </a:solidFill>
+                  </a:tcPr>
+                </a:tc>
+                <a:tc>
+                  <a:txBody>
+                    <a:bodyPr/>
+                    <a:lstStyle/>
+                    <a:p>
+                      <a:endParaRPr lang="en-US" dirty="0"/>
+                    </a:p>
+                  </a:txBody>
+                  <a:tcPr>
+                    <a:solidFill>
+                      <a:srgbClr val="92D050"/>
+                    </a:solidFill>
+                  </a:tcPr>
+                </a:tc>
+              </a:tr>
+              <a:tr h="387350">
+                <a:tc>
+                  <a:txBody>
+                    <a:bodyPr/>
+                    <a:lstStyle/>
+                    <a:p>
+                      <a:endParaRPr lang="en-US" dirty="0"/>
+                    </a:p>
+                  </a:txBody>
+                  <a:tcPr>
+                    <a:solidFill>
+                      <a:srgbClr val="92D050"/>
+                    </a:solidFill>
+                  </a:tcPr>
+                </a:tc>
+                <a:tc>
+                  <a:txBody>
+                    <a:bodyPr/>
+                    <a:lstStyle/>
+                    <a:p>
+                      <a:endParaRPr lang="en-US" dirty="0"/>
+                    </a:p>
+                  </a:txBody>
+                  <a:tcPr>
+                    <a:solidFill>
+                      <a:srgbClr val="92D050"/>
+                    </a:solidFill>
+                  </a:tcPr>
+                </a:tc>
+                <a:tc>
+                  <a:txBody>
+                    <a:bodyPr/>
+                    <a:lstStyle/>
+                    <a:p>
+                      <a:endParaRPr lang="en-US" dirty="0"/>
+                    </a:p>
+                  </a:txBody>
+                  <a:tcPr>
+                    <a:solidFill>
+                      <a:srgbClr val="92D050"/>
+                    </a:solidFill>
+                  </a:tcPr>
+                </a:tc>
+                <a:tc>
+                  <a:txBody>
+                    <a:bodyPr/>
+                    <a:lstStyle/>
+                    <a:p>
+                      <a:endParaRPr lang="en-US" dirty="0"/>
+                    </a:p>
+                  </a:txBody>
+                  <a:tcPr>
+                    <a:solidFill>
+                      <a:srgbClr val="92D050"/>
+                    </a:solidFill>
+                  </a:tcPr>
+                </a:tc>
+                <a:tc>
+                  <a:txBody>
+                    <a:bodyPr/>
+                    <a:lstStyle/>
+                    <a:p>
+                      <a:endParaRPr lang="en-US" dirty="0"/>
+                    </a:p>
+                  </a:txBody>
+                  <a:tcPr>
+                    <a:solidFill>
+                      <a:srgbClr val="92D050"/>
+                    </a:solidFill>
+                  </a:tcPr>
+                </a:tc>
+                <a:tc>
+                  <a:txBody>
+                    <a:bodyPr/>
+                    <a:lstStyle/>
+                    <a:p>
+                      <a:endParaRPr lang="en-US" dirty="0"/>
+                    </a:p>
+                  </a:txBody>
+                  <a:tcPr>
+                    <a:solidFill>
+                      <a:srgbClr val="92D050"/>
+                    </a:solidFill>
+                  </a:tcPr>
+                </a:tc>
+                <a:tc>
+                  <a:txBody>
+                    <a:bodyPr/>
+                    <a:lstStyle/>
+                    <a:p>
+                      <a:endParaRPr lang="en-US"/>
+                    </a:p>
+                  </a:txBody>
+                  <a:tcPr>
+                    <a:solidFill>
+                      <a:srgbClr val="92D050"/>
+                    </a:solidFill>
+                  </a:tcPr>
+                </a:tc>
+                <a:tc>
+                  <a:txBody>
+                    <a:bodyPr/>
+                    <a:lstStyle/>
+                    <a:p>
+                      <a:endParaRPr lang="en-US" dirty="0"/>
+                    </a:p>
+                  </a:txBody>
+                  <a:tcPr>
+                    <a:solidFill>
+                      <a:srgbClr val="92D050"/>
+                    </a:solidFill>
+                  </a:tcPr>
+                </a:tc>
+                <a:tc>
+                  <a:txBody>
+                    <a:bodyPr/>
+                    <a:lstStyle/>
+                    <a:p>
+                      <a:endParaRPr lang="en-US" dirty="0"/>
+                    </a:p>
+                  </a:txBody>
+                  <a:tcPr>
+                    <a:solidFill>
+                      <a:srgbClr val="92D050"/>
+                    </a:solidFill>
+                  </a:tcPr>
+                </a:tc>
+                <a:tc>
+                  <a:txBody>
+                    <a:bodyPr/>
+                    <a:lstStyle/>
+                    <a:p>
+                      <a:endParaRPr lang="en-US" dirty="0"/>
+                    </a:p>
+                  </a:txBody>
+                  <a:tcPr>
+                    <a:solidFill>
+                      <a:srgbClr val="92D050"/>
+                    </a:solidFill>
+                  </a:tcPr>
+                </a:tc>
+              </a:tr>
+              <a:tr h="387350">
+                <a:tc>
+                  <a:txBody>
+                    <a:bodyPr/>
+                    <a:lstStyle/>
+                    <a:p>
+                      <a:endParaRPr lang="en-US"/>
+                    </a:p>
+                  </a:txBody>
+                  <a:tcPr>
+                    <a:solidFill>
+                      <a:srgbClr val="92D050"/>
+                    </a:solidFill>
+                  </a:tcPr>
+                </a:tc>
+                <a:tc>
+                  <a:txBody>
+                    <a:bodyPr/>
+                    <a:lstStyle/>
+                    <a:p>
+                      <a:endParaRPr lang="en-US"/>
+                    </a:p>
+                  </a:txBody>
+                  <a:tcPr>
+                    <a:solidFill>
+                      <a:srgbClr val="92D050"/>
+                    </a:solidFill>
+                  </a:tcPr>
+                </a:tc>
+                <a:tc>
+                  <a:txBody>
+                    <a:bodyPr/>
+                    <a:lstStyle/>
+                    <a:p>
+                      <a:endParaRPr lang="en-US"/>
+                    </a:p>
+                  </a:txBody>
+                  <a:tcPr>
+                    <a:solidFill>
+                      <a:srgbClr val="92D050"/>
+                    </a:solidFill>
+                  </a:tcPr>
+                </a:tc>
+                <a:tc>
+                  <a:txBody>
+                    <a:bodyPr/>
+                    <a:lstStyle/>
+                    <a:p>
+                      <a:endParaRPr lang="en-US"/>
+                    </a:p>
+                  </a:txBody>
+                  <a:tcPr>
+                    <a:solidFill>
+                      <a:srgbClr val="92D050"/>
+                    </a:solidFill>
+                  </a:tcPr>
+                </a:tc>
+                <a:tc>
+                  <a:txBody>
+                    <a:bodyPr/>
+                    <a:lstStyle/>
+                    <a:p>
+                      <a:endParaRPr lang="en-US"/>
+                    </a:p>
+                  </a:txBody>
+                  <a:tcPr>
+                    <a:solidFill>
+                      <a:srgbClr val="92D050"/>
+                    </a:solidFill>
+                  </a:tcPr>
+                </a:tc>
+                <a:tc>
+                  <a:txBody>
+                    <a:bodyPr/>
+                    <a:lstStyle/>
+                    <a:p>
+                      <a:endParaRPr lang="en-US" dirty="0"/>
+                    </a:p>
+                  </a:txBody>
+                  <a:tcPr>
+                    <a:solidFill>
+                      <a:srgbClr val="92D050"/>
+                    </a:solidFill>
+                  </a:tcPr>
+                </a:tc>
+                <a:tc>
+                  <a:txBody>
+                    <a:bodyPr/>
+                    <a:lstStyle/>
+                    <a:p>
+                      <a:endParaRPr lang="en-US" dirty="0"/>
+                    </a:p>
+                  </a:txBody>
+                  <a:tcPr>
+                    <a:solidFill>
+                      <a:srgbClr val="92D050"/>
+                    </a:solidFill>
+                  </a:tcPr>
+                </a:tc>
+                <a:tc>
+                  <a:txBody>
+                    <a:bodyPr/>
+                    <a:lstStyle/>
+                    <a:p>
+                      <a:endParaRPr lang="en-US" dirty="0"/>
+                    </a:p>
+                  </a:txBody>
+                  <a:tcPr>
+                    <a:solidFill>
+                      <a:srgbClr val="92D050"/>
+                    </a:solidFill>
+                  </a:tcPr>
+                </a:tc>
+                <a:tc>
+                  <a:txBody>
+                    <a:bodyPr/>
+                    <a:lstStyle/>
+                    <a:p>
+                      <a:endParaRPr lang="en-US" dirty="0"/>
+                    </a:p>
+                  </a:txBody>
+                  <a:tcPr>
+                    <a:solidFill>
+                      <a:srgbClr val="92D050"/>
+                    </a:solidFill>
+                  </a:tcPr>
+                </a:tc>
+                <a:tc>
+                  <a:txBody>
+                    <a:bodyPr/>
+                    <a:lstStyle/>
+                    <a:p>
+                      <a:endParaRPr lang="en-US" dirty="0"/>
+                    </a:p>
+                  </a:txBody>
+                  <a:tcPr>
+                    <a:solidFill>
+                      <a:srgbClr val="92D050"/>
+                    </a:solidFill>
+                  </a:tcPr>
+                </a:tc>
+              </a:tr>
+              <a:tr h="387350">
+                <a:tc>
+                  <a:txBody>
+                    <a:bodyPr/>
+                    <a:lstStyle/>
+                    <a:p>
+                      <a:endParaRPr lang="en-US"/>
+                    </a:p>
+                  </a:txBody>
+                  <a:tcPr>
+                    <a:solidFill>
+                      <a:srgbClr val="92D050"/>
+                    </a:solidFill>
+                  </a:tcPr>
+                </a:tc>
+                <a:tc>
+                  <a:txBody>
+                    <a:bodyPr/>
+                    <a:lstStyle/>
+                    <a:p>
+                      <a:endParaRPr lang="en-US"/>
+                    </a:p>
+                  </a:txBody>
+                  <a:tcPr>
+                    <a:solidFill>
+                      <a:srgbClr val="92D050"/>
+                    </a:solidFill>
+                  </a:tcPr>
+                </a:tc>
+                <a:tc>
+                  <a:txBody>
+                    <a:bodyPr/>
+                    <a:lstStyle/>
+                    <a:p>
+                      <a:endParaRPr lang="en-US"/>
+                    </a:p>
+                  </a:txBody>
+                  <a:tcPr>
+                    <a:solidFill>
+                      <a:srgbClr val="92D050"/>
+                    </a:solidFill>
+                  </a:tcPr>
+                </a:tc>
+                <a:tc>
+                  <a:txBody>
+                    <a:bodyPr/>
+                    <a:lstStyle/>
+                    <a:p>
+                      <a:endParaRPr lang="en-US" dirty="0"/>
+                    </a:p>
+                  </a:txBody>
+                  <a:tcPr>
+                    <a:solidFill>
+                      <a:srgbClr val="92D050"/>
+                    </a:solidFill>
+                  </a:tcPr>
+                </a:tc>
+                <a:tc>
+                  <a:txBody>
+                    <a:bodyPr/>
+                    <a:lstStyle/>
+                    <a:p>
+                      <a:endParaRPr lang="en-US" dirty="0"/>
+                    </a:p>
+                  </a:txBody>
+                  <a:tcPr>
+                    <a:solidFill>
+                      <a:srgbClr val="92D050"/>
+                    </a:solidFill>
+                  </a:tcPr>
+                </a:tc>
+                <a:tc>
+                  <a:txBody>
+                    <a:bodyPr/>
+                    <a:lstStyle/>
+                    <a:p>
+                      <a:endParaRPr lang="en-US" dirty="0"/>
+                    </a:p>
+                  </a:txBody>
+                  <a:tcPr>
+                    <a:solidFill>
+                      <a:srgbClr val="92D050"/>
+                    </a:solidFill>
+                  </a:tcPr>
+                </a:tc>
+                <a:tc>
+                  <a:txBody>
+                    <a:bodyPr/>
+                    <a:lstStyle/>
+                    <a:p>
+                      <a:endParaRPr lang="en-US" dirty="0"/>
+                    </a:p>
+                  </a:txBody>
+                  <a:tcPr>
+                    <a:solidFill>
+                      <a:srgbClr val="92D050"/>
+                    </a:solidFill>
+                  </a:tcPr>
+                </a:tc>
+                <a:tc>
+                  <a:txBody>
+                    <a:bodyPr/>
+                    <a:lstStyle/>
+                    <a:p>
+                      <a:endParaRPr lang="en-US" dirty="0"/>
+                    </a:p>
+                  </a:txBody>
+                  <a:tcPr>
+                    <a:solidFill>
+                      <a:srgbClr val="92D050"/>
+                    </a:solidFill>
+                  </a:tcPr>
+                </a:tc>
+                <a:tc>
+                  <a:txBody>
+                    <a:bodyPr/>
+                    <a:lstStyle/>
+                    <a:p>
+                      <a:endParaRPr lang="en-US" dirty="0"/>
+                    </a:p>
+                  </a:txBody>
+                  <a:tcPr>
+                    <a:solidFill>
+                      <a:srgbClr val="92D050"/>
+                    </a:solidFill>
+                  </a:tcPr>
+                </a:tc>
+                <a:tc>
+                  <a:txBody>
+                    <a:bodyPr/>
+                    <a:lstStyle/>
+                    <a:p>
+                      <a:endParaRPr lang="en-US" dirty="0"/>
+                    </a:p>
+                  </a:txBody>
+                  <a:tcPr>
+                    <a:solidFill>
+                      <a:srgbClr val="92D050"/>
+                    </a:solidFill>
+                  </a:tcPr>
+                </a:tc>
+              </a:tr>
+              <a:tr h="387350">
+                <a:tc>
+                  <a:txBody>
+                    <a:bodyPr/>
+                    <a:lstStyle/>
+                    <a:p>
+                      <a:endParaRPr lang="en-US" dirty="0"/>
+                    </a:p>
+                  </a:txBody>
+                  <a:tcPr>
+                    <a:solidFill>
+                      <a:srgbClr val="92D050"/>
+                    </a:solidFill>
+                  </a:tcPr>
+                </a:tc>
+                <a:tc>
+                  <a:txBody>
+                    <a:bodyPr/>
+                    <a:lstStyle/>
+                    <a:p>
+                      <a:endParaRPr lang="en-US" dirty="0"/>
+                    </a:p>
+                  </a:txBody>
+                  <a:tcPr>
+                    <a:solidFill>
+                      <a:srgbClr val="92D050"/>
+                    </a:solidFill>
+                  </a:tcPr>
+                </a:tc>
+                <a:tc>
+                  <a:txBody>
+                    <a:bodyPr/>
+                    <a:lstStyle/>
+                    <a:p>
+                      <a:endParaRPr lang="en-US" dirty="0"/>
+                    </a:p>
+                  </a:txBody>
+                  <a:tcPr>
+                    <a:solidFill>
+                      <a:srgbClr val="92D050"/>
+                    </a:solidFill>
+                  </a:tcPr>
+                </a:tc>
+                <a:tc>
+                  <a:txBody>
+                    <a:bodyPr/>
+                    <a:lstStyle/>
+                    <a:p>
+                      <a:endParaRPr lang="en-US" dirty="0"/>
+                    </a:p>
+                  </a:txBody>
+                  <a:tcPr/>
+                </a:tc>
+                <a:tc>
+                  <a:txBody>
+                    <a:bodyPr/>
+                    <a:lstStyle/>
+                    <a:p>
+                      <a:endParaRPr lang="en-US"/>
+                    </a:p>
+                  </a:txBody>
+                  <a:tcPr/>
+                </a:tc>
+                <a:tc>
+                  <a:txBody>
+                    <a:bodyPr/>
+                    <a:lstStyle/>
+                    <a:p>
+                      <a:endParaRPr lang="en-US"/>
+                    </a:p>
+                  </a:txBody>
+                  <a:tcPr/>
+                </a:tc>
+                <a:tc>
+                  <a:txBody>
+                    <a:bodyPr/>
+                    <a:lstStyle/>
+                    <a:p>
+                      <a:endParaRPr lang="en-US"/>
+                    </a:p>
+                  </a:txBody>
+                  <a:tcPr/>
+                </a:tc>
+                <a:tc>
+                  <a:txBody>
+                    <a:bodyPr/>
+                    <a:lstStyle/>
+                    <a:p>
+                      <a:endParaRPr lang="en-US"/>
+                    </a:p>
+                  </a:txBody>
+                  <a:tcPr/>
+                </a:tc>
+                <a:tc>
+                  <a:txBody>
+                    <a:bodyPr/>
+                    <a:lstStyle/>
+                    <a:p>
+                      <a:endParaRPr lang="en-US"/>
+                    </a:p>
+                  </a:txBody>
+                  <a:tcPr/>
+                </a:tc>
+                <a:tc>
+                  <a:txBody>
+                    <a:bodyPr/>
+                    <a:lstStyle/>
+                    <a:p>
+                      <a:endParaRPr lang="en-US" dirty="0"/>
+                    </a:p>
+                  </a:txBody>
+                  <a:tcPr/>
+                </a:tc>
+              </a:tr>
+            </a:tbl>
+          </a:graphicData>
+        </a:graphic>
+      </p:graphicFrame>
+    </p:spTree>
+    <p:extLst>
+      <p:ext uri="{BB962C8B-B14F-4D97-AF65-F5344CB8AC3E}">
+        <p14:creationId xmlns:p14="http://schemas.microsoft.com/office/powerpoint/2010/main" val="3163017144"/>
+      </p:ext>
+    </p:extLst>
+  </p:cSld>
+  <p:clrMapOvr>
+    <a:masterClrMapping/>
+  </p:clrMapOvr>
+  <p:timing>
+    <p:tnLst>
+      <p:par>
+        <p:cTn id="1" dur="indefinite" restart="never" nodeType="tmRoot"/>
+      </p:par>
+    </p:tnLst>
+  </p:timing>
+</p:sld>
+</file>
+
+<file path=ppt/slides/slide9.xml><?xml version="1.0" encoding="utf-8"?>
+<p:sld xmlns:a="http://schemas.openxmlformats.org/drawingml/2006/main" xmlns:r="http://schemas.openxmlformats.org/officeDocument/2006/relationships" xmlns:p="http://schemas.openxmlformats.org/presentationml/2006/main">
+  <p:cSld>
+    <p:spTree>
+      <p:nvGrpSpPr>
+        <p:cNvPr id="1" name=""/>
+        <p:cNvGrpSpPr/>
+        <p:nvPr/>
+      </p:nvGrpSpPr>
+      <p:grpSpPr>
+        <a:xfrm>
+          <a:off x="0" y="0"/>
+          <a:ext cx="0" cy="0"/>
+          <a:chOff x="0" y="0"/>
+          <a:chExt cx="0" cy="0"/>
+        </a:xfrm>
+      </p:grpSpPr>
+      <p:sp>
+        <p:nvSpPr>
+          <p:cNvPr id="2" name="Title 1"/>
+          <p:cNvSpPr>
+            <a:spLocks noGrp="1"/>
+          </p:cNvSpPr>
+          <p:nvPr>
+            <p:ph type="title"/>
+          </p:nvPr>
+        </p:nvSpPr>
+        <p:spPr/>
+        <p:txBody>
+          <a:bodyPr/>
+          <a:lstStyle/>
+          <a:p>
+            <a:pPr algn="l"/>
+            <a:r>
+              <a:rPr lang="en-US" dirty="0" smtClean="0">
+                <a:latin typeface="Comic Sans MS" pitchFamily="66" charset="0"/>
+              </a:rPr>
+              <a:t>Array Indexing</a:t>
+            </a:r>
+            <a:endParaRPr lang="en-US" dirty="0">
+              <a:latin typeface="Comic Sans MS" pitchFamily="66" charset="0"/>
+            </a:endParaRPr>
+          </a:p>
+        </p:txBody>
+      </p:sp>
+      <p:sp>
+        <p:nvSpPr>
+          <p:cNvPr id="3" name="Content Placeholder 2"/>
+          <p:cNvSpPr>
+            <a:spLocks noGrp="1"/>
+          </p:cNvSpPr>
+          <p:nvPr>
+            <p:ph idx="1"/>
+          </p:nvPr>
+        </p:nvSpPr>
+        <p:spPr>
+          <a:xfrm>
+            <a:off x="457200" y="1600201"/>
+            <a:ext cx="8229600" cy="685800"/>
+          </a:xfrm>
+        </p:spPr>
+        <p:txBody>
+          <a:bodyPr>
+            <a:normAutofit/>
+          </a:bodyPr>
+          <a:lstStyle/>
+          <a:p>
+            <a:pPr marL="0" indent="0">
+              <a:buNone/>
+            </a:pPr>
+            <a:r>
+              <a:rPr lang="en-US" dirty="0" smtClean="0">
+                <a:latin typeface="Comic Sans MS" pitchFamily="66" charset="0"/>
+              </a:rPr>
+              <a:t>Accessing a particular element of an array</a:t>
+            </a:r>
+            <a:endParaRPr lang="en-US" dirty="0">
+              <a:latin typeface="Comic Sans MS" pitchFamily="66" charset="0"/>
+            </a:endParaRPr>
+          </a:p>
+        </p:txBody>
+      </p:sp>
+      <p:sp>
+        <p:nvSpPr>
+          <p:cNvPr id="7" name="TextBox 6"/>
+          <p:cNvSpPr txBox="1"/>
+          <p:nvPr/>
+        </p:nvSpPr>
+        <p:spPr>
+          <a:xfrm>
+            <a:off x="533400" y="2590800"/>
+            <a:ext cx="602673" cy="646331"/>
+          </a:xfrm>
+          <a:prstGeom prst="rect">
+            <a:avLst/>
+          </a:prstGeom>
+          <a:noFill/>
+        </p:spPr>
+        <p:txBody>
+          <a:bodyPr wrap="square" rtlCol="0">
+            <a:spAutoFit/>
+          </a:bodyPr>
+          <a:lstStyle/>
+          <a:p>
+            <a:r>
+              <a:rPr lang="en-US" sz="3600" dirty="0" smtClean="0">
+                <a:latin typeface="Comic Sans MS" pitchFamily="66" charset="0"/>
+              </a:rPr>
+              <a:t>a</a:t>
+            </a:r>
+            <a:endParaRPr lang="en-US" sz="3600" dirty="0">
+              <a:latin typeface="Comic Sans MS" pitchFamily="66" charset="0"/>
+            </a:endParaRPr>
+          </a:p>
+        </p:txBody>
+      </p:sp>
+      <p:graphicFrame>
+        <p:nvGraphicFramePr>
+          <p:cNvPr id="9" name="Table 8"/>
+          <p:cNvGraphicFramePr>
+            <a:graphicFrameLocks noGrp="1"/>
+          </p:cNvGraphicFramePr>
+          <p:nvPr>
+            <p:extLst>
+              <p:ext uri="{D42A27DB-BD31-4B8C-83A1-F6EECF244321}">
+                <p14:modId xmlns:p14="http://schemas.microsoft.com/office/powerpoint/2010/main" val="1493798087"/>
+              </p:ext>
+            </p:extLst>
+          </p:nvPr>
+        </p:nvGraphicFramePr>
+        <p:xfrm>
+          <a:off x="1828800" y="3429000"/>
+          <a:ext cx="6677890" cy="606928"/>
+        </p:xfrm>
+        <a:graphic>
+          <a:graphicData uri="http://schemas.openxmlformats.org/drawingml/2006/table">
+            <a:tbl>
+              <a:tblPr firstRow="1" bandRow="1">
+                <a:tableStyleId>{5940675A-B579-460E-94D1-54222C63F5DA}</a:tableStyleId>
+              </a:tblPr>
+              <a:tblGrid>
+                <a:gridCol w="667789"/>
+                <a:gridCol w="667789"/>
+                <a:gridCol w="667789"/>
+                <a:gridCol w="667789"/>
+                <a:gridCol w="667789"/>
+                <a:gridCol w="667789"/>
+                <a:gridCol w="667789"/>
+                <a:gridCol w="667789"/>
+                <a:gridCol w="667789"/>
+                <a:gridCol w="667789"/>
+              </a:tblGrid>
+              <a:tr h="606928">
+                <a:tc>
+                  <a:txBody>
+                    <a:bodyPr/>
+                    <a:lstStyle/>
+                    <a:p>
+                      <a:endParaRPr lang="en-US" dirty="0"/>
+                    </a:p>
+                  </a:txBody>
+                  <a:tcPr/>
+                </a:tc>
+                <a:tc>
+                  <a:txBody>
+                    <a:bodyPr/>
+                    <a:lstStyle/>
+                    <a:p>
+                      <a:endParaRPr lang="en-US" dirty="0"/>
+                    </a:p>
+                  </a:txBody>
+                  <a:tcPr/>
+                </a:tc>
+                <a:tc>
+                  <a:txBody>
+                    <a:bodyPr/>
+                    <a:lstStyle/>
+                    <a:p>
+                      <a:endParaRPr lang="en-US" dirty="0"/>
+                    </a:p>
+                  </a:txBody>
+                  <a:tcPr>
+                    <a:solidFill>
+                      <a:srgbClr val="92D050"/>
+                    </a:solidFill>
+                  </a:tcPr>
+                </a:tc>
+                <a:tc>
+                  <a:txBody>
+                    <a:bodyPr/>
+                    <a:lstStyle/>
+                    <a:p>
+                      <a:endParaRPr lang="en-US" dirty="0"/>
+                    </a:p>
+                  </a:txBody>
+                  <a:tcPr/>
+                </a:tc>
+                <a:tc>
+                  <a:txBody>
+                    <a:bodyPr/>
+                    <a:lstStyle/>
+                    <a:p>
+                      <a:endParaRPr lang="en-US" dirty="0"/>
+                    </a:p>
+                  </a:txBody>
+                  <a:tcPr/>
+                </a:tc>
+                <a:tc>
+                  <a:txBody>
+                    <a:bodyPr/>
+                    <a:lstStyle/>
+                    <a:p>
+                      <a:endParaRPr lang="en-US" dirty="0"/>
+                    </a:p>
+                  </a:txBody>
+                  <a:tcPr/>
+                </a:tc>
+                <a:tc>
+                  <a:txBody>
+                    <a:bodyPr/>
+                    <a:lstStyle/>
+                    <a:p>
+                      <a:endParaRPr lang="en-US" dirty="0"/>
+                    </a:p>
+                  </a:txBody>
+                  <a:tcPr/>
+                </a:tc>
+                <a:tc>
+                  <a:txBody>
+                    <a:bodyPr/>
+                    <a:lstStyle/>
+                    <a:p>
+                      <a:endParaRPr lang="en-US" dirty="0"/>
+                    </a:p>
+                  </a:txBody>
+                  <a:tcPr/>
+                </a:tc>
+                <a:tc>
+                  <a:txBody>
+                    <a:bodyPr/>
+                    <a:lstStyle/>
+                    <a:p>
+                      <a:endParaRPr lang="en-US" dirty="0"/>
+                    </a:p>
+                  </a:txBody>
+                  <a:tcPr/>
+                </a:tc>
+                <a:tc>
+                  <a:txBody>
+                    <a:bodyPr/>
+                    <a:lstStyle/>
+                    <a:p>
+                      <a:endParaRPr lang="en-US" dirty="0"/>
+                    </a:p>
+                  </a:txBody>
+                  <a:tcPr/>
+                </a:tc>
+              </a:tr>
+            </a:tbl>
+          </a:graphicData>
+        </a:graphic>
+      </p:graphicFrame>
+      <p:graphicFrame>
+        <p:nvGraphicFramePr>
+          <p:cNvPr id="10" name="Table 9"/>
+          <p:cNvGraphicFramePr>
+            <a:graphicFrameLocks noGrp="1"/>
+          </p:cNvGraphicFramePr>
+          <p:nvPr>
+            <p:extLst>
+              <p:ext uri="{D42A27DB-BD31-4B8C-83A1-F6EECF244321}">
+                <p14:modId xmlns:p14="http://schemas.microsoft.com/office/powerpoint/2010/main" val="2673118472"/>
+              </p:ext>
+            </p:extLst>
+          </p:nvPr>
+        </p:nvGraphicFramePr>
+        <p:xfrm>
+          <a:off x="1828800" y="4038600"/>
+          <a:ext cx="6677890" cy="606928"/>
+        </p:xfrm>
+        <a:graphic>
+          <a:graphicData uri="http://schemas.openxmlformats.org/drawingml/2006/table">
+            <a:tbl>
+              <a:tblPr firstRow="1" bandRow="1">
+                <a:tableStyleId>{5940675A-B579-460E-94D1-54222C63F5DA}</a:tableStyleId>
+              </a:tblPr>
+              <a:tblGrid>
+                <a:gridCol w="667789"/>
+                <a:gridCol w="667789"/>
+                <a:gridCol w="667789"/>
+                <a:gridCol w="667789"/>
+                <a:gridCol w="667789"/>
+                <a:gridCol w="667789"/>
+                <a:gridCol w="667789"/>
+                <a:gridCol w="667789"/>
+                <a:gridCol w="667789"/>
+                <a:gridCol w="667789"/>
+              </a:tblGrid>
+              <a:tr h="606928">
+                <a:tc>
+                  <a:txBody>
+                    <a:bodyPr/>
+                    <a:lstStyle/>
+                    <a:p>
+                      <a:endParaRPr lang="en-US" dirty="0"/>
+                    </a:p>
+                  </a:txBody>
+                  <a:tcPr/>
+                </a:tc>
+                <a:tc>
+                  <a:txBody>
+                    <a:bodyPr/>
+                    <a:lstStyle/>
+                    <a:p>
+                      <a:endParaRPr lang="en-US" dirty="0"/>
+                    </a:p>
+                  </a:txBody>
+                  <a:tcPr/>
+                </a:tc>
+                <a:tc>
+                  <a:txBody>
+                    <a:bodyPr/>
+                    <a:lstStyle/>
+                    <a:p>
+                      <a:endParaRPr lang="en-US" dirty="0"/>
+                    </a:p>
+                  </a:txBody>
+                  <a:tcPr/>
+                </a:tc>
+                <a:tc>
+                  <a:txBody>
+                    <a:bodyPr/>
+                    <a:lstStyle/>
+                    <a:p>
+                      <a:endParaRPr lang="en-US" dirty="0"/>
+                    </a:p>
+                  </a:txBody>
+                  <a:tcPr/>
+                </a:tc>
+                <a:tc>
+                  <a:txBody>
+                    <a:bodyPr/>
+                    <a:lstStyle/>
+                    <a:p>
+                      <a:endParaRPr lang="en-US" dirty="0"/>
+                    </a:p>
+                  </a:txBody>
+                  <a:tcPr/>
+                </a:tc>
+                <a:tc>
+                  <a:txBody>
+                    <a:bodyPr/>
+                    <a:lstStyle/>
+                    <a:p>
+                      <a:endParaRPr lang="en-US" dirty="0"/>
+                    </a:p>
+                  </a:txBody>
+                  <a:tcPr/>
+                </a:tc>
+                <a:tc>
+                  <a:txBody>
+                    <a:bodyPr/>
+                    <a:lstStyle/>
+                    <a:p>
+                      <a:endParaRPr lang="en-US" dirty="0"/>
+                    </a:p>
+                  </a:txBody>
+                  <a:tcPr/>
+                </a:tc>
+                <a:tc>
+                  <a:txBody>
+                    <a:bodyPr/>
+                    <a:lstStyle/>
+                    <a:p>
+                      <a:endParaRPr lang="en-US" dirty="0"/>
+                    </a:p>
+                  </a:txBody>
+                  <a:tcPr/>
+                </a:tc>
+                <a:tc>
+                  <a:txBody>
+                    <a:bodyPr/>
+                    <a:lstStyle/>
+                    <a:p>
+                      <a:endParaRPr lang="en-US" dirty="0"/>
+                    </a:p>
+                  </a:txBody>
+                  <a:tcPr/>
+                </a:tc>
+                <a:tc>
+                  <a:txBody>
+                    <a:bodyPr/>
+                    <a:lstStyle/>
+                    <a:p>
+                      <a:endParaRPr lang="en-US" dirty="0"/>
+                    </a:p>
+                  </a:txBody>
+                  <a:tcPr/>
+                </a:tc>
+              </a:tr>
+            </a:tbl>
+          </a:graphicData>
+        </a:graphic>
+      </p:graphicFrame>
+      <p:graphicFrame>
+        <p:nvGraphicFramePr>
+          <p:cNvPr id="11" name="Table 10"/>
+          <p:cNvGraphicFramePr>
+            <a:graphicFrameLocks noGrp="1"/>
+          </p:cNvGraphicFramePr>
+          <p:nvPr>
+            <p:extLst>
+              <p:ext uri="{D42A27DB-BD31-4B8C-83A1-F6EECF244321}">
+                <p14:modId xmlns:p14="http://schemas.microsoft.com/office/powerpoint/2010/main" val="3632092850"/>
+              </p:ext>
+            </p:extLst>
+          </p:nvPr>
+        </p:nvGraphicFramePr>
+        <p:xfrm>
+          <a:off x="1828800" y="4648200"/>
+          <a:ext cx="6677890" cy="606928"/>
+        </p:xfrm>
+        <a:graphic>
+          <a:graphicData uri="http://schemas.openxmlformats.org/drawingml/2006/table">
+            <a:tbl>
+              <a:tblPr firstRow="1" bandRow="1">
+                <a:tableStyleId>{5940675A-B579-460E-94D1-54222C63F5DA}</a:tableStyleId>
+              </a:tblPr>
+              <a:tblGrid>
+                <a:gridCol w="667789"/>
+                <a:gridCol w="667789"/>
+                <a:gridCol w="667789"/>
+                <a:gridCol w="667789"/>
+                <a:gridCol w="667789"/>
+                <a:gridCol w="667789"/>
+                <a:gridCol w="667789"/>
+                <a:gridCol w="667789"/>
+                <a:gridCol w="667789"/>
+                <a:gridCol w="667789"/>
+              </a:tblGrid>
+              <a:tr h="606928">
+                <a:tc>
+                  <a:txBody>
+                    <a:bodyPr/>
+                    <a:lstStyle/>
+                    <a:p>
+                      <a:endParaRPr lang="en-US" dirty="0"/>
+                    </a:p>
+                  </a:txBody>
+                  <a:tcPr/>
+                </a:tc>
+                <a:tc>
+                  <a:txBody>
+                    <a:bodyPr/>
+                    <a:lstStyle/>
+                    <a:p>
+                      <a:endParaRPr lang="en-US" dirty="0"/>
+                    </a:p>
+                  </a:txBody>
+                  <a:tcPr/>
+                </a:tc>
+                <a:tc>
+                  <a:txBody>
+                    <a:bodyPr/>
+                    <a:lstStyle/>
+                    <a:p>
+                      <a:endParaRPr lang="en-US" dirty="0"/>
+                    </a:p>
+                  </a:txBody>
+                  <a:tcPr/>
+                </a:tc>
+                <a:tc>
+                  <a:txBody>
+                    <a:bodyPr/>
+                    <a:lstStyle/>
+                    <a:p>
+                      <a:endParaRPr lang="en-US" dirty="0"/>
+                    </a:p>
+                  </a:txBody>
+                  <a:tcPr/>
+                </a:tc>
+                <a:tc>
+                  <a:txBody>
+                    <a:bodyPr/>
+                    <a:lstStyle/>
+                    <a:p>
+                      <a:endParaRPr lang="en-US" dirty="0"/>
+                    </a:p>
+                  </a:txBody>
+                  <a:tcPr/>
+                </a:tc>
+                <a:tc>
+                  <a:txBody>
+                    <a:bodyPr/>
+                    <a:lstStyle/>
+                    <a:p>
+                      <a:endParaRPr lang="en-US" dirty="0"/>
+                    </a:p>
+                  </a:txBody>
+                  <a:tcPr/>
+                </a:tc>
+                <a:tc>
+                  <a:txBody>
+                    <a:bodyPr/>
+                    <a:lstStyle/>
+                    <a:p>
+                      <a:endParaRPr lang="en-US" dirty="0"/>
+                    </a:p>
+                  </a:txBody>
+                  <a:tcPr/>
+                </a:tc>
+                <a:tc>
+                  <a:txBody>
+                    <a:bodyPr/>
+                    <a:lstStyle/>
+                    <a:p>
+                      <a:endParaRPr lang="en-US" dirty="0"/>
+                    </a:p>
+                  </a:txBody>
+                  <a:tcPr/>
+                </a:tc>
+                <a:tc>
+                  <a:txBody>
+                    <a:bodyPr/>
+                    <a:lstStyle/>
+                    <a:p>
+                      <a:endParaRPr lang="en-US" dirty="0"/>
+                    </a:p>
+                  </a:txBody>
+                  <a:tcPr/>
+                </a:tc>
+                <a:tc>
+                  <a:txBody>
+                    <a:bodyPr/>
+                    <a:lstStyle/>
+                    <a:p>
+                      <a:endParaRPr lang="en-US" dirty="0"/>
+                    </a:p>
+                  </a:txBody>
+                  <a:tcPr/>
+                </a:tc>
+              </a:tr>
+            </a:tbl>
+          </a:graphicData>
+        </a:graphic>
+      </p:graphicFrame>
+      <p:graphicFrame>
+        <p:nvGraphicFramePr>
+          <p:cNvPr id="12" name="Table 11"/>
+          <p:cNvGraphicFramePr>
+            <a:graphicFrameLocks noGrp="1"/>
+          </p:cNvGraphicFramePr>
+          <p:nvPr>
+            <p:extLst>
+              <p:ext uri="{D42A27DB-BD31-4B8C-83A1-F6EECF244321}">
+                <p14:modId xmlns:p14="http://schemas.microsoft.com/office/powerpoint/2010/main" val="2124975306"/>
+              </p:ext>
+            </p:extLst>
+          </p:nvPr>
+        </p:nvGraphicFramePr>
+        <p:xfrm>
+          <a:off x="1828800" y="5257800"/>
+          <a:ext cx="6677890" cy="606928"/>
+        </p:xfrm>
+        <a:graphic>
+          <a:graphicData uri="http://schemas.openxmlformats.org/drawingml/2006/table">
+            <a:tbl>
+              <a:tblPr firstRow="1" bandRow="1">
+                <a:tableStyleId>{5940675A-B579-460E-94D1-54222C63F5DA}</a:tableStyleId>
+              </a:tblPr>
+              <a:tblGrid>
+                <a:gridCol w="667789"/>
+                <a:gridCol w="667789"/>
+                <a:gridCol w="667789"/>
+                <a:gridCol w="667789"/>
+                <a:gridCol w="667789"/>
+                <a:gridCol w="667789"/>
+                <a:gridCol w="667789"/>
+                <a:gridCol w="667789"/>
+                <a:gridCol w="667789"/>
+                <a:gridCol w="667789"/>
+              </a:tblGrid>
+              <a:tr h="606928">
+                <a:tc>
+                  <a:txBody>
+                    <a:bodyPr/>
+                    <a:lstStyle/>
+                    <a:p>
+                      <a:endParaRPr lang="en-US" dirty="0"/>
+                    </a:p>
+                  </a:txBody>
+                  <a:tcPr/>
+                </a:tc>
+                <a:tc>
+                  <a:txBody>
+                    <a:bodyPr/>
+                    <a:lstStyle/>
+                    <a:p>
+                      <a:endParaRPr lang="en-US" dirty="0"/>
+                    </a:p>
+                  </a:txBody>
+                  <a:tcPr/>
+                </a:tc>
+                <a:tc>
+                  <a:txBody>
+                    <a:bodyPr/>
+                    <a:lstStyle/>
+                    <a:p>
+                      <a:endParaRPr lang="en-US" dirty="0"/>
+                    </a:p>
+                  </a:txBody>
+                  <a:tcPr/>
+                </a:tc>
+                <a:tc>
+                  <a:txBody>
+                    <a:bodyPr/>
+                    <a:lstStyle/>
+                    <a:p>
+                      <a:endParaRPr lang="en-US" dirty="0"/>
+                    </a:p>
+                  </a:txBody>
+                  <a:tcPr/>
+                </a:tc>
+                <a:tc>
+                  <a:txBody>
+                    <a:bodyPr/>
+                    <a:lstStyle/>
+                    <a:p>
+                      <a:endParaRPr lang="en-US" dirty="0"/>
+                    </a:p>
+                  </a:txBody>
+                  <a:tcPr/>
+                </a:tc>
+                <a:tc>
+                  <a:txBody>
+                    <a:bodyPr/>
+                    <a:lstStyle/>
+                    <a:p>
+                      <a:endParaRPr lang="en-US" dirty="0"/>
+                    </a:p>
+                  </a:txBody>
+                  <a:tcPr/>
+                </a:tc>
+                <a:tc>
+                  <a:txBody>
+                    <a:bodyPr/>
+                    <a:lstStyle/>
+                    <a:p>
+                      <a:endParaRPr lang="en-US" dirty="0"/>
+                    </a:p>
+                  </a:txBody>
+                  <a:tcPr/>
+                </a:tc>
+                <a:tc>
+                  <a:txBody>
+                    <a:bodyPr/>
+                    <a:lstStyle/>
+                    <a:p>
+                      <a:endParaRPr lang="en-US" dirty="0"/>
+                    </a:p>
+                  </a:txBody>
+                  <a:tcPr/>
+                </a:tc>
+                <a:tc>
+                  <a:txBody>
+                    <a:bodyPr/>
+                    <a:lstStyle/>
+                    <a:p>
+                      <a:endParaRPr lang="en-US" dirty="0"/>
+                    </a:p>
+                  </a:txBody>
+                  <a:tcPr/>
+                </a:tc>
+                <a:tc>
+                  <a:txBody>
+                    <a:bodyPr/>
+                    <a:lstStyle/>
+                    <a:p>
+                      <a:endParaRPr lang="en-US" dirty="0"/>
+                    </a:p>
+                  </a:txBody>
+                  <a:tcPr/>
+                </a:tc>
+              </a:tr>
+            </a:tbl>
+          </a:graphicData>
+        </a:graphic>
+      </p:graphicFrame>
+      <p:graphicFrame>
+        <p:nvGraphicFramePr>
+          <p:cNvPr id="13" name="Table 12"/>
+          <p:cNvGraphicFramePr>
+            <a:graphicFrameLocks noGrp="1"/>
+          </p:cNvGraphicFramePr>
+          <p:nvPr>
+            <p:extLst>
+              <p:ext uri="{D42A27DB-BD31-4B8C-83A1-F6EECF244321}">
+                <p14:modId xmlns:p14="http://schemas.microsoft.com/office/powerpoint/2010/main" val="3944510880"/>
+              </p:ext>
+            </p:extLst>
+          </p:nvPr>
+        </p:nvGraphicFramePr>
+        <p:xfrm>
+          <a:off x="1828800" y="5867400"/>
+          <a:ext cx="6677890" cy="606928"/>
+        </p:xfrm>
+        <a:graphic>
+          <a:graphicData uri="http://schemas.openxmlformats.org/drawingml/2006/table">
+            <a:tbl>
+              <a:tblPr firstRow="1" bandRow="1">
+                <a:tableStyleId>{5940675A-B579-460E-94D1-54222C63F5DA}</a:tableStyleId>
+              </a:tblPr>
+              <a:tblGrid>
+                <a:gridCol w="667789"/>
+                <a:gridCol w="667789"/>
+                <a:gridCol w="667789"/>
+                <a:gridCol w="667789"/>
+                <a:gridCol w="667789"/>
+                <a:gridCol w="667789"/>
+                <a:gridCol w="667789"/>
+                <a:gridCol w="667789"/>
+                <a:gridCol w="667789"/>
+                <a:gridCol w="667789"/>
+              </a:tblGrid>
+              <a:tr h="606928">
+                <a:tc>
+                  <a:txBody>
+                    <a:bodyPr/>
+                    <a:lstStyle/>
+                    <a:p>
+                      <a:endParaRPr lang="en-US" dirty="0"/>
+                    </a:p>
+                  </a:txBody>
+                  <a:tcPr/>
+                </a:tc>
+                <a:tc>
+                  <a:txBody>
+                    <a:bodyPr/>
+                    <a:lstStyle/>
+                    <a:p>
+                      <a:endParaRPr lang="en-US" dirty="0"/>
+                    </a:p>
+                  </a:txBody>
+                  <a:tcPr/>
+                </a:tc>
+                <a:tc>
+                  <a:txBody>
+                    <a:bodyPr/>
+                    <a:lstStyle/>
+                    <a:p>
+                      <a:endParaRPr lang="en-US" dirty="0"/>
+                    </a:p>
+                  </a:txBody>
+                  <a:tcPr/>
+                </a:tc>
+                <a:tc>
+                  <a:txBody>
+                    <a:bodyPr/>
+                    <a:lstStyle/>
+                    <a:p>
+                      <a:endParaRPr lang="en-US" dirty="0"/>
+                    </a:p>
+                  </a:txBody>
+                  <a:tcPr/>
+                </a:tc>
+                <a:tc>
+                  <a:txBody>
+                    <a:bodyPr/>
+                    <a:lstStyle/>
+                    <a:p>
+                      <a:endParaRPr lang="en-US" dirty="0"/>
+                    </a:p>
+                  </a:txBody>
+                  <a:tcPr/>
+                </a:tc>
+                <a:tc>
+                  <a:txBody>
+                    <a:bodyPr/>
+                    <a:lstStyle/>
+                    <a:p>
+                      <a:endParaRPr lang="en-US" dirty="0"/>
+                    </a:p>
+                  </a:txBody>
+                  <a:tcPr/>
+                </a:tc>
+                <a:tc>
+                  <a:txBody>
+                    <a:bodyPr/>
+                    <a:lstStyle/>
+                    <a:p>
+                      <a:endParaRPr lang="en-US" dirty="0"/>
+                    </a:p>
+                  </a:txBody>
+                  <a:tcPr/>
+                </a:tc>
+                <a:tc>
+                  <a:txBody>
+                    <a:bodyPr/>
+                    <a:lstStyle/>
+                    <a:p>
+                      <a:endParaRPr lang="en-US" dirty="0"/>
+                    </a:p>
+                  </a:txBody>
+                  <a:tcPr/>
+                </a:tc>
+                <a:tc>
+                  <a:txBody>
+                    <a:bodyPr/>
+                    <a:lstStyle/>
+                    <a:p>
+                      <a:endParaRPr lang="en-US" dirty="0"/>
+                    </a:p>
+                  </a:txBody>
+                  <a:tcPr/>
+                </a:tc>
+                <a:tc>
+                  <a:txBody>
+                    <a:bodyPr/>
+                    <a:lstStyle/>
+                    <a:p>
+                      <a:endParaRPr lang="en-US" dirty="0"/>
+                    </a:p>
+                  </a:txBody>
+                  <a:tcPr/>
+                </a:tc>
+              </a:tr>
+            </a:tbl>
+          </a:graphicData>
+        </a:graphic>
+      </p:graphicFrame>
+      <p:sp>
+        <p:nvSpPr>
+          <p:cNvPr id="14" name="Content Placeholder 2"/>
+          <p:cNvSpPr txBox="1">
+            <a:spLocks/>
+          </p:cNvSpPr>
+          <p:nvPr/>
+        </p:nvSpPr>
+        <p:spPr>
+          <a:xfrm>
+            <a:off x="2667000" y="4038600"/>
+            <a:ext cx="1600200" cy="685800"/>
+          </a:xfrm>
+          <a:prstGeom prst="rect">
+            <a:avLst/>
+          </a:prstGeom>
+        </p:spPr>
+        <p:txBody>
+          <a:bodyPr vert="horz" lIns="91440" tIns="45720" rIns="91440" bIns="45720" rtlCol="0">
+            <a:normAutofit/>
+          </a:bodyPr>
+          <a:lstStyle>
+            <a:lvl1pPr marL="342900" indent="-342900" algn="l" defTabSz="914400" rtl="0" eaLnBrk="1" latinLnBrk="0" hangingPunct="1">
+              <a:spcBef>
+                <a:spcPct val="20000"/>
+              </a:spcBef>
+              <a:buFont typeface="Arial" pitchFamily="34" charset="0"/>
+              <a:buChar char="•"/>
+              <a:defRPr sz="3200" kern="1200">
+                <a:solidFill>
+                  <a:schemeClr val="tx1"/>
+                </a:solidFill>
+                <a:latin typeface="+mn-lt"/>
+                <a:ea typeface="+mn-ea"/>
+                <a:cs typeface="+mn-cs"/>
+              </a:defRPr>
+            </a:lvl1pPr>
+            <a:lvl2pPr marL="742950" indent="-285750" algn="l" defTabSz="914400" rtl="0" eaLnBrk="1" latinLnBrk="0" hangingPunct="1">
+              <a:spcBef>
+                <a:spcPct val="20000"/>
+              </a:spcBef>
+              <a:buFont typeface="Arial" pitchFamily="34" charset="0"/>
+              <a:buChar char="–"/>
+              <a:defRPr sz="2800" kern="1200">
+                <a:solidFill>
+                  <a:schemeClr val="tx1"/>
+                </a:solidFill>
+                <a:latin typeface="+mn-lt"/>
+                <a:ea typeface="+mn-ea"/>
+                <a:cs typeface="+mn-cs"/>
+              </a:defRPr>
+            </a:lvl2pPr>
+            <a:lvl3pPr marL="1143000" indent="-228600" algn="l" defTabSz="914400" rtl="0" eaLnBrk="1" latinLnBrk="0" hangingPunct="1">
+              <a:spcBef>
+                <a:spcPct val="20000"/>
+              </a:spcBef>
+              <a:buFont typeface="Arial" pitchFamily="34" charset="0"/>
+              <a:buChar char="•"/>
+              <a:defRPr sz="2400" kern="1200">
+                <a:solidFill>
+                  <a:schemeClr val="tx1"/>
+                </a:solidFill>
+                <a:latin typeface="+mn-lt"/>
+                <a:ea typeface="+mn-ea"/>
+                <a:cs typeface="+mn-cs"/>
+              </a:defRPr>
+            </a:lvl3pPr>
+            <a:lvl4pPr marL="1600200" indent="-228600" algn="l" defTabSz="914400" rtl="0" eaLnBrk="1" latinLnBrk="0" hangingPunct="1">
+              <a:spcBef>
+                <a:spcPct val="20000"/>
+              </a:spcBef>
+              <a:buFont typeface="Arial" pitchFamily="34" charset="0"/>
+              <a:buChar char="–"/>
+              <a:defRPr sz="2000" kern="1200">
+                <a:solidFill>
+                  <a:schemeClr val="tx1"/>
+                </a:solidFill>
+                <a:latin typeface="+mn-lt"/>
+                <a:ea typeface="+mn-ea"/>
+                <a:cs typeface="+mn-cs"/>
+              </a:defRPr>
+            </a:lvl4pPr>
+            <a:lvl5pPr marL="2057400" indent="-228600" algn="l" defTabSz="914400" rtl="0" eaLnBrk="1" latinLnBrk="0" hangingPunct="1">
+              <a:spcBef>
+                <a:spcPct val="20000"/>
+              </a:spcBef>
+              <a:buFont typeface="Arial" pitchFamily="34" charset="0"/>
+              <a:buChar char="»"/>
+              <a:defRPr sz="2000" kern="1200">
+                <a:solidFill>
+                  <a:schemeClr val="tx1"/>
+                </a:solidFill>
+                <a:latin typeface="+mn-lt"/>
+                <a:ea typeface="+mn-ea"/>
+                <a:cs typeface="+mn-cs"/>
+              </a:defRPr>
+            </a:lvl5pPr>
+            <a:lvl6pPr marL="2514600" indent="-228600" algn="l" defTabSz="914400" rtl="0" eaLnBrk="1" latinLnBrk="0" hangingPunct="1">
+              <a:spcBef>
+                <a:spcPct val="20000"/>
+              </a:spcBef>
+              <a:buFont typeface="Arial" pitchFamily="34" charset="0"/>
+              <a:buChar char="•"/>
+              <a:defRPr sz="2000" kern="1200">
+                <a:solidFill>
+                  <a:schemeClr val="tx1"/>
+                </a:solidFill>
+                <a:latin typeface="+mn-lt"/>
+                <a:ea typeface="+mn-ea"/>
+                <a:cs typeface="+mn-cs"/>
+              </a:defRPr>
+            </a:lvl6pPr>
+            <a:lvl7pPr marL="2971800" indent="-228600" algn="l" defTabSz="914400" rtl="0" eaLnBrk="1" latinLnBrk="0" hangingPunct="1">
+              <a:spcBef>
+                <a:spcPct val="20000"/>
+              </a:spcBef>
+              <a:buFont typeface="Arial" pitchFamily="34" charset="0"/>
+              <a:buChar char="•"/>
+              <a:defRPr sz="2000" kern="1200">
+                <a:solidFill>
+                  <a:schemeClr val="tx1"/>
+                </a:solidFill>
+                <a:latin typeface="+mn-lt"/>
+                <a:ea typeface="+mn-ea"/>
+                <a:cs typeface="+mn-cs"/>
+              </a:defRPr>
+            </a:lvl7pPr>
+            <a:lvl8pPr marL="3429000" indent="-228600" algn="l" defTabSz="914400" rtl="0" eaLnBrk="1" latinLnBrk="0" hangingPunct="1">
+              <a:spcBef>
+                <a:spcPct val="20000"/>
+              </a:spcBef>
+              <a:buFont typeface="Arial" pitchFamily="34" charset="0"/>
+              <a:buChar char="•"/>
+              <a:defRPr sz="2000" kern="1200">
+                <a:solidFill>
+                  <a:schemeClr val="tx1"/>
+                </a:solidFill>
+                <a:latin typeface="+mn-lt"/>
+                <a:ea typeface="+mn-ea"/>
+                <a:cs typeface="+mn-cs"/>
+              </a:defRPr>
+            </a:lvl8pPr>
+            <a:lvl9pPr marL="3886200" indent="-228600" algn="l" defTabSz="914400" rtl="0" eaLnBrk="1" latinLnBrk="0" hangingPunct="1">
+              <a:spcBef>
+                <a:spcPct val="20000"/>
+              </a:spcBef>
+              <a:buFont typeface="Arial" pitchFamily="34" charset="0"/>
+              <a:buChar char="•"/>
+              <a:defRPr sz="2000" kern="1200">
+                <a:solidFill>
+                  <a:schemeClr val="tx1"/>
+                </a:solidFill>
+                <a:latin typeface="+mn-lt"/>
+                <a:ea typeface="+mn-ea"/>
+                <a:cs typeface="+mn-cs"/>
+              </a:defRPr>
+            </a:lvl9pPr>
+          </a:lstStyle>
+          <a:p>
+            <a:pPr marL="0" indent="0">
+              <a:buFont typeface="Arial" pitchFamily="34" charset="0"/>
+              <a:buNone/>
+            </a:pPr>
+            <a:r>
+              <a:rPr lang="en-US" dirty="0">
+                <a:latin typeface="Comic Sans MS" pitchFamily="66" charset="0"/>
+              </a:rPr>
+              <a:t>a</a:t>
+            </a:r>
+            <a:r>
+              <a:rPr lang="en-US" dirty="0" smtClean="0">
+                <a:latin typeface="Comic Sans MS" pitchFamily="66" charset="0"/>
+              </a:rPr>
+              <a:t>[0][2]</a:t>
+            </a:r>
+            <a:endParaRPr lang="en-US" dirty="0">
+              <a:latin typeface="Comic Sans MS" pitchFamily="66" charset="0"/>
+            </a:endParaRPr>
+          </a:p>
+        </p:txBody>
+      </p:sp>
+      <p:graphicFrame>
+        <p:nvGraphicFramePr>
+          <p:cNvPr id="5" name="Table 4"/>
+          <p:cNvGraphicFramePr>
+            <a:graphicFrameLocks noGrp="1"/>
+          </p:cNvGraphicFramePr>
+          <p:nvPr>
+            <p:extLst>
+              <p:ext uri="{D42A27DB-BD31-4B8C-83A1-F6EECF244321}">
+                <p14:modId xmlns:p14="http://schemas.microsoft.com/office/powerpoint/2010/main" val="578014497"/>
+              </p:ext>
+            </p:extLst>
+          </p:nvPr>
+        </p:nvGraphicFramePr>
+        <p:xfrm>
+          <a:off x="1752600" y="2819400"/>
+          <a:ext cx="6677890" cy="606928"/>
+        </p:xfrm>
+        <a:graphic>
+          <a:graphicData uri="http://schemas.openxmlformats.org/drawingml/2006/table">
+            <a:tbl>
+              <a:tblPr firstRow="1" bandRow="1">
+                <a:tableStyleId>{2D5ABB26-0587-4C30-8999-92F81FD0307C}</a:tableStyleId>
+              </a:tblPr>
+              <a:tblGrid>
+                <a:gridCol w="667789"/>
+                <a:gridCol w="667789"/>
+                <a:gridCol w="667789"/>
+                <a:gridCol w="667789"/>
+                <a:gridCol w="667789"/>
+                <a:gridCol w="667789"/>
+                <a:gridCol w="667789"/>
+                <a:gridCol w="667789"/>
+                <a:gridCol w="667789"/>
+                <a:gridCol w="667789"/>
+              </a:tblGrid>
+              <a:tr h="606928">
+                <a:tc>
+                  <a:txBody>
+                    <a:bodyPr/>
+                    <a:lstStyle/>
+                    <a:p>
+                      <a:pPr algn="ctr"/>
+                      <a:r>
+                        <a:rPr lang="en-US" sz="2000" dirty="0" smtClean="0">
+                          <a:latin typeface="Comic Sans MS" panose="030F0702030302020204" pitchFamily="66" charset="0"/>
+                        </a:rPr>
+                        <a:t>0</a:t>
+                      </a:r>
+                      <a:endParaRPr lang="en-US" sz="2000" dirty="0">
+                        <a:latin typeface="Comic Sans MS" panose="030F0702030302020204" pitchFamily="66" charset="0"/>
+                      </a:endParaRPr>
+                    </a:p>
+                  </a:txBody>
+                  <a:tcPr/>
+                </a:tc>
+                <a:tc>
+                  <a:txBody>
+                    <a:bodyPr/>
+                    <a:lstStyle/>
+                    <a:p>
+                      <a:pPr algn="ctr"/>
+                      <a:r>
+                        <a:rPr lang="en-US" sz="2000" dirty="0" smtClean="0">
+                          <a:latin typeface="Comic Sans MS" panose="030F0702030302020204" pitchFamily="66" charset="0"/>
+                        </a:rPr>
+                        <a:t>1</a:t>
+                      </a:r>
+                      <a:endParaRPr lang="en-US" sz="2000" dirty="0">
+                        <a:latin typeface="Comic Sans MS" panose="030F0702030302020204" pitchFamily="66" charset="0"/>
+                      </a:endParaRPr>
+                    </a:p>
+                  </a:txBody>
+                  <a:tcPr/>
+                </a:tc>
+                <a:tc>
+                  <a:txBody>
+                    <a:bodyPr/>
+                    <a:lstStyle/>
+                    <a:p>
+                      <a:pPr algn="ctr"/>
+                      <a:r>
+                        <a:rPr lang="en-US" sz="2000" dirty="0" smtClean="0">
+                          <a:latin typeface="Comic Sans MS" panose="030F0702030302020204" pitchFamily="66" charset="0"/>
+                        </a:rPr>
+                        <a:t>2</a:t>
+                      </a:r>
+                      <a:endParaRPr lang="en-US" sz="2000" dirty="0">
+                        <a:latin typeface="Comic Sans MS" panose="030F0702030302020204" pitchFamily="66" charset="0"/>
+                      </a:endParaRPr>
+                    </a:p>
+                  </a:txBody>
+                  <a:tcPr/>
+                </a:tc>
+                <a:tc>
+                  <a:txBody>
+                    <a:bodyPr/>
+                    <a:lstStyle/>
+                    <a:p>
+                      <a:pPr algn="ctr"/>
+                      <a:r>
+                        <a:rPr lang="en-US" sz="2000" dirty="0" smtClean="0">
+                          <a:latin typeface="Comic Sans MS" panose="030F0702030302020204" pitchFamily="66" charset="0"/>
+                        </a:rPr>
+                        <a:t>3</a:t>
+                      </a:r>
+                      <a:endParaRPr lang="en-US" sz="2000" dirty="0">
+                        <a:latin typeface="Comic Sans MS" panose="030F0702030302020204" pitchFamily="66" charset="0"/>
+                      </a:endParaRPr>
+                    </a:p>
+                  </a:txBody>
+                  <a:tcPr/>
+                </a:tc>
+                <a:tc>
+                  <a:txBody>
+                    <a:bodyPr/>
+                    <a:lstStyle/>
+                    <a:p>
+                      <a:pPr algn="ctr"/>
+                      <a:r>
+                        <a:rPr lang="en-US" sz="2000" dirty="0" smtClean="0">
+                          <a:latin typeface="Comic Sans MS" panose="030F0702030302020204" pitchFamily="66" charset="0"/>
+                        </a:rPr>
+                        <a:t>4</a:t>
+                      </a:r>
+                      <a:endParaRPr lang="en-US" sz="2000" dirty="0">
+                        <a:latin typeface="Comic Sans MS" panose="030F0702030302020204" pitchFamily="66" charset="0"/>
+                      </a:endParaRPr>
+                    </a:p>
+                  </a:txBody>
+                  <a:tcPr/>
+                </a:tc>
+                <a:tc>
+                  <a:txBody>
+                    <a:bodyPr/>
+                    <a:lstStyle/>
+                    <a:p>
+                      <a:pPr algn="ctr"/>
+                      <a:r>
+                        <a:rPr lang="en-US" sz="2000" dirty="0" smtClean="0">
+                          <a:latin typeface="Comic Sans MS" panose="030F0702030302020204" pitchFamily="66" charset="0"/>
+                        </a:rPr>
+                        <a:t>5</a:t>
+                      </a:r>
+                      <a:endParaRPr lang="en-US" sz="2000" dirty="0">
+                        <a:latin typeface="Comic Sans MS" panose="030F0702030302020204" pitchFamily="66" charset="0"/>
+                      </a:endParaRPr>
+                    </a:p>
+                  </a:txBody>
+                  <a:tcPr/>
+                </a:tc>
+                <a:tc>
+                  <a:txBody>
+                    <a:bodyPr/>
+                    <a:lstStyle/>
+                    <a:p>
+                      <a:pPr algn="ctr"/>
+                      <a:r>
+                        <a:rPr lang="en-US" sz="2000" dirty="0" smtClean="0">
+                          <a:latin typeface="Comic Sans MS" panose="030F0702030302020204" pitchFamily="66" charset="0"/>
+                        </a:rPr>
+                        <a:t>6</a:t>
+                      </a:r>
+                      <a:endParaRPr lang="en-US" sz="2000" dirty="0">
+                        <a:latin typeface="Comic Sans MS" panose="030F0702030302020204" pitchFamily="66" charset="0"/>
+                      </a:endParaRPr>
+                    </a:p>
+                  </a:txBody>
+                  <a:tcPr/>
+                </a:tc>
+                <a:tc>
+                  <a:txBody>
+                    <a:bodyPr/>
+                    <a:lstStyle/>
+                    <a:p>
+                      <a:pPr algn="ctr"/>
+                      <a:r>
+                        <a:rPr lang="en-US" sz="2000" dirty="0" smtClean="0">
+                          <a:latin typeface="Comic Sans MS" panose="030F0702030302020204" pitchFamily="66" charset="0"/>
+                        </a:rPr>
+                        <a:t>7</a:t>
+                      </a:r>
+                      <a:endParaRPr lang="en-US" sz="2000" dirty="0">
+                        <a:latin typeface="Comic Sans MS" panose="030F0702030302020204" pitchFamily="66" charset="0"/>
+                      </a:endParaRPr>
+                    </a:p>
+                  </a:txBody>
+                  <a:tcPr/>
+                </a:tc>
+                <a:tc>
+                  <a:txBody>
+                    <a:bodyPr/>
+                    <a:lstStyle/>
+                    <a:p>
+                      <a:pPr algn="ctr"/>
+                      <a:r>
+                        <a:rPr lang="en-US" sz="2000" dirty="0" smtClean="0">
+                          <a:latin typeface="Comic Sans MS" panose="030F0702030302020204" pitchFamily="66" charset="0"/>
+                        </a:rPr>
+                        <a:t>8</a:t>
+                      </a:r>
+                      <a:endParaRPr lang="en-US" sz="2000" dirty="0">
+                        <a:latin typeface="Comic Sans MS" panose="030F0702030302020204" pitchFamily="66" charset="0"/>
+                      </a:endParaRPr>
+                    </a:p>
+                  </a:txBody>
+                  <a:tcPr/>
+                </a:tc>
+                <a:tc>
+                  <a:txBody>
+                    <a:bodyPr/>
+                    <a:lstStyle/>
+                    <a:p>
+                      <a:pPr algn="ctr"/>
+                      <a:r>
+                        <a:rPr lang="en-US" sz="2000" dirty="0" smtClean="0">
+                          <a:latin typeface="Comic Sans MS" panose="030F0702030302020204" pitchFamily="66" charset="0"/>
+                        </a:rPr>
+                        <a:t>9</a:t>
+                      </a:r>
+                      <a:endParaRPr lang="en-US" sz="2000" dirty="0">
+                        <a:latin typeface="Comic Sans MS" panose="030F0702030302020204" pitchFamily="66" charset="0"/>
+                      </a:endParaRPr>
+                    </a:p>
+                  </a:txBody>
+                  <a:tcPr/>
+                </a:tc>
+              </a:tr>
+            </a:tbl>
+          </a:graphicData>
+        </a:graphic>
+      </p:graphicFrame>
+      <p:graphicFrame>
+        <p:nvGraphicFramePr>
+          <p:cNvPr id="6" name="Table 5"/>
+          <p:cNvGraphicFramePr>
+            <a:graphicFrameLocks noGrp="1"/>
+          </p:cNvGraphicFramePr>
+          <p:nvPr>
+            <p:extLst>
+              <p:ext uri="{D42A27DB-BD31-4B8C-83A1-F6EECF244321}">
+                <p14:modId xmlns:p14="http://schemas.microsoft.com/office/powerpoint/2010/main" val="3764112545"/>
+              </p:ext>
+            </p:extLst>
+          </p:nvPr>
+        </p:nvGraphicFramePr>
+        <p:xfrm>
+          <a:off x="1143000" y="3505200"/>
+          <a:ext cx="457200" cy="3378200"/>
+        </p:xfrm>
+        <a:graphic>
+          <a:graphicData uri="http://schemas.openxmlformats.org/drawingml/2006/table">
+            <a:tbl>
+              <a:tblPr firstRow="1" bandRow="1">
+                <a:tableStyleId>{2D5ABB26-0587-4C30-8999-92F81FD0307C}</a:tableStyleId>
+              </a:tblPr>
+              <a:tblGrid>
+                <a:gridCol w="457200"/>
+              </a:tblGrid>
+              <a:tr h="533400">
+                <a:tc>
+                  <a:txBody>
+                    <a:bodyPr/>
+                    <a:lstStyle/>
+                    <a:p>
+                      <a:pPr algn="ctr"/>
+                      <a:r>
+                        <a:rPr lang="en-US" sz="2000" dirty="0" smtClean="0">
+                          <a:latin typeface="Comic Sans MS" panose="030F0702030302020204" pitchFamily="66" charset="0"/>
+                        </a:rPr>
+                        <a:t>0</a:t>
+                      </a:r>
+                      <a:endParaRPr lang="en-US" sz="2000" dirty="0">
+                        <a:latin typeface="Comic Sans MS" panose="030F0702030302020204" pitchFamily="66" charset="0"/>
+                      </a:endParaRPr>
+                    </a:p>
+                  </a:txBody>
+                  <a:tcPr/>
+                </a:tc>
+              </a:tr>
+              <a:tr h="609600">
+                <a:tc>
+                  <a:txBody>
+                    <a:bodyPr/>
+                    <a:lstStyle/>
+                    <a:p>
+                      <a:pPr algn="ctr"/>
+                      <a:r>
+                        <a:rPr lang="en-US" sz="2000" dirty="0" smtClean="0">
+                          <a:latin typeface="Comic Sans MS" panose="030F0702030302020204" pitchFamily="66" charset="0"/>
+                        </a:rPr>
+                        <a:t>1</a:t>
+                      </a:r>
+                      <a:endParaRPr lang="en-US" sz="2000" dirty="0">
+                        <a:latin typeface="Comic Sans MS" panose="030F0702030302020204" pitchFamily="66" charset="0"/>
+                      </a:endParaRPr>
+                    </a:p>
+                  </a:txBody>
+                  <a:tcPr/>
+                </a:tc>
+              </a:tr>
+              <a:tr h="685800">
+                <a:tc>
+                  <a:txBody>
+                    <a:bodyPr/>
+                    <a:lstStyle/>
+                    <a:p>
+                      <a:pPr algn="ctr"/>
+                      <a:r>
+                        <a:rPr lang="en-US" sz="2000" dirty="0" smtClean="0">
+                          <a:latin typeface="Comic Sans MS" panose="030F0702030302020204" pitchFamily="66" charset="0"/>
+                        </a:rPr>
+                        <a:t>2</a:t>
+                      </a:r>
+                      <a:endParaRPr lang="en-US" sz="2000" dirty="0">
+                        <a:latin typeface="Comic Sans MS" panose="030F0702030302020204" pitchFamily="66" charset="0"/>
+                      </a:endParaRPr>
+                    </a:p>
+                  </a:txBody>
+                  <a:tcPr/>
+                </a:tc>
+              </a:tr>
+              <a:tr h="533400">
+                <a:tc>
+                  <a:txBody>
+                    <a:bodyPr/>
+                    <a:lstStyle/>
+                    <a:p>
+                      <a:pPr algn="ctr"/>
+                      <a:r>
+                        <a:rPr lang="en-US" sz="2000" dirty="0" smtClean="0">
+                          <a:latin typeface="Comic Sans MS" panose="030F0702030302020204" pitchFamily="66" charset="0"/>
+                        </a:rPr>
+                        <a:t>3</a:t>
+                      </a:r>
+                      <a:endParaRPr lang="en-US" sz="2000" dirty="0">
+                        <a:latin typeface="Comic Sans MS" panose="030F0702030302020204" pitchFamily="66" charset="0"/>
+                      </a:endParaRPr>
+                    </a:p>
+                  </a:txBody>
+                  <a:tcPr/>
+                </a:tc>
+              </a:tr>
+              <a:tr h="508000">
+                <a:tc>
+                  <a:txBody>
+                    <a:bodyPr/>
+                    <a:lstStyle/>
+                    <a:p>
+                      <a:pPr algn="ctr"/>
+                      <a:r>
+                        <a:rPr lang="en-US" sz="2000" dirty="0" smtClean="0">
+                          <a:latin typeface="Comic Sans MS" panose="030F0702030302020204" pitchFamily="66" charset="0"/>
+                        </a:rPr>
+                        <a:t>4</a:t>
+                      </a:r>
+                      <a:endParaRPr lang="en-US" sz="2000" dirty="0">
+                        <a:latin typeface="Comic Sans MS" panose="030F0702030302020204" pitchFamily="66" charset="0"/>
+                      </a:endParaRPr>
+                    </a:p>
+                  </a:txBody>
+                  <a:tcPr/>
+                </a:tc>
+              </a:tr>
+              <a:tr h="508000">
+                <a:tc>
+                  <a:txBody>
+                    <a:bodyPr/>
+                    <a:lstStyle/>
+                    <a:p>
+                      <a:pPr algn="ctr"/>
+                      <a:endParaRPr lang="en-US" sz="2000" dirty="0">
+                        <a:latin typeface="Comic Sans MS" panose="030F0702030302020204" pitchFamily="66" charset="0"/>
+                      </a:endParaRPr>
+                    </a:p>
+                  </a:txBody>
+                  <a:tcPr/>
+                </a:tc>
+              </a:tr>
+            </a:tbl>
+          </a:graphicData>
+        </a:graphic>
+      </p:graphicFrame>
+    </p:spTree>
+    <p:extLst>
+      <p:ext uri="{BB962C8B-B14F-4D97-AF65-F5344CB8AC3E}">
+        <p14:creationId xmlns:p14="http://schemas.microsoft.com/office/powerpoint/2010/main" val="1606600379"/>
       </p:ext>
     </p:extLst>
   </p:cSld>
